--- a/Text Based Engine.pptx
+++ b/Text Based Engine.pptx
@@ -108,6 +108,11 @@
       </a:defRPr>
     </a:lvl9pPr>
   </p:defaultTextStyle>
+  <p:extLst>
+    <p:ext uri="{EFAFB233-063F-42B5-8137-9DF3F51BA10A}">
+      <p15:sldGuideLst xmlns:p15="http://schemas.microsoft.com/office/powerpoint/2012/main"/>
+    </p:ext>
+  </p:extLst>
 </p:presentation>
 </file>
 
@@ -242,7 +247,7 @@
           <a:p>
             <a:fld id="{3C3E44C2-C35B-4928-B472-F799EE2990BC}" type="datetimeFigureOut">
               <a:rPr lang="cs-CZ" smtClean="0"/>
-              <a:t>24.05.2020</a:t>
+              <a:t>28.05.2020</a:t>
             </a:fld>
             <a:endParaRPr lang="cs-CZ"/>
           </a:p>
@@ -412,7 +417,7 @@
           <a:p>
             <a:fld id="{3C3E44C2-C35B-4928-B472-F799EE2990BC}" type="datetimeFigureOut">
               <a:rPr lang="cs-CZ" smtClean="0"/>
-              <a:t>24.05.2020</a:t>
+              <a:t>28.05.2020</a:t>
             </a:fld>
             <a:endParaRPr lang="cs-CZ"/>
           </a:p>
@@ -592,7 +597,7 @@
           <a:p>
             <a:fld id="{3C3E44C2-C35B-4928-B472-F799EE2990BC}" type="datetimeFigureOut">
               <a:rPr lang="cs-CZ" smtClean="0"/>
-              <a:t>24.05.2020</a:t>
+              <a:t>28.05.2020</a:t>
             </a:fld>
             <a:endParaRPr lang="cs-CZ"/>
           </a:p>
@@ -762,7 +767,7 @@
           <a:p>
             <a:fld id="{3C3E44C2-C35B-4928-B472-F799EE2990BC}" type="datetimeFigureOut">
               <a:rPr lang="cs-CZ" smtClean="0"/>
-              <a:t>24.05.2020</a:t>
+              <a:t>28.05.2020</a:t>
             </a:fld>
             <a:endParaRPr lang="cs-CZ"/>
           </a:p>
@@ -1008,7 +1013,7 @@
           <a:p>
             <a:fld id="{3C3E44C2-C35B-4928-B472-F799EE2990BC}" type="datetimeFigureOut">
               <a:rPr lang="cs-CZ" smtClean="0"/>
-              <a:t>24.05.2020</a:t>
+              <a:t>28.05.2020</a:t>
             </a:fld>
             <a:endParaRPr lang="cs-CZ"/>
           </a:p>
@@ -1240,7 +1245,7 @@
           <a:p>
             <a:fld id="{3C3E44C2-C35B-4928-B472-F799EE2990BC}" type="datetimeFigureOut">
               <a:rPr lang="cs-CZ" smtClean="0"/>
-              <a:t>24.05.2020</a:t>
+              <a:t>28.05.2020</a:t>
             </a:fld>
             <a:endParaRPr lang="cs-CZ"/>
           </a:p>
@@ -1607,7 +1612,7 @@
           <a:p>
             <a:fld id="{3C3E44C2-C35B-4928-B472-F799EE2990BC}" type="datetimeFigureOut">
               <a:rPr lang="cs-CZ" smtClean="0"/>
-              <a:t>24.05.2020</a:t>
+              <a:t>28.05.2020</a:t>
             </a:fld>
             <a:endParaRPr lang="cs-CZ"/>
           </a:p>
@@ -1725,7 +1730,7 @@
           <a:p>
             <a:fld id="{3C3E44C2-C35B-4928-B472-F799EE2990BC}" type="datetimeFigureOut">
               <a:rPr lang="cs-CZ" smtClean="0"/>
-              <a:t>24.05.2020</a:t>
+              <a:t>28.05.2020</a:t>
             </a:fld>
             <a:endParaRPr lang="cs-CZ"/>
           </a:p>
@@ -1820,7 +1825,7 @@
           <a:p>
             <a:fld id="{3C3E44C2-C35B-4928-B472-F799EE2990BC}" type="datetimeFigureOut">
               <a:rPr lang="cs-CZ" smtClean="0"/>
-              <a:t>24.05.2020</a:t>
+              <a:t>28.05.2020</a:t>
             </a:fld>
             <a:endParaRPr lang="cs-CZ"/>
           </a:p>
@@ -2097,7 +2102,7 @@
           <a:p>
             <a:fld id="{3C3E44C2-C35B-4928-B472-F799EE2990BC}" type="datetimeFigureOut">
               <a:rPr lang="cs-CZ" smtClean="0"/>
-              <a:t>24.05.2020</a:t>
+              <a:t>28.05.2020</a:t>
             </a:fld>
             <a:endParaRPr lang="cs-CZ"/>
           </a:p>
@@ -2354,7 +2359,7 @@
           <a:p>
             <a:fld id="{3C3E44C2-C35B-4928-B472-F799EE2990BC}" type="datetimeFigureOut">
               <a:rPr lang="cs-CZ" smtClean="0"/>
-              <a:t>24.05.2020</a:t>
+              <a:t>28.05.2020</a:t>
             </a:fld>
             <a:endParaRPr lang="cs-CZ"/>
           </a:p>
@@ -2567,7 +2572,7 @@
           <a:p>
             <a:fld id="{3C3E44C2-C35B-4928-B472-F799EE2990BC}" type="datetimeFigureOut">
               <a:rPr lang="cs-CZ" smtClean="0"/>
-              <a:t>24.05.2020</a:t>
+              <a:t>28.05.2020</a:t>
             </a:fld>
             <a:endParaRPr lang="cs-CZ"/>
           </a:p>

--- a/Text Based Engine.pptx
+++ b/Text Based Engine.pptx
@@ -10,6 +10,11 @@
     <p:sldId id="258" r:id="rId4"/>
     <p:sldId id="259" r:id="rId5"/>
     <p:sldId id="260" r:id="rId6"/>
+    <p:sldId id="262" r:id="rId7"/>
+    <p:sldId id="261" r:id="rId8"/>
+    <p:sldId id="263" r:id="rId9"/>
+    <p:sldId id="264" r:id="rId10"/>
+    <p:sldId id="265" r:id="rId11"/>
   </p:sldIdLst>
   <p:sldSz cx="12192000" cy="6858000"/>
   <p:notesSz cx="6858000" cy="9144000"/>
@@ -247,7 +252,7 @@
           <a:p>
             <a:fld id="{3C3E44C2-C35B-4928-B472-F799EE2990BC}" type="datetimeFigureOut">
               <a:rPr lang="cs-CZ" smtClean="0"/>
-              <a:t>28.05.2020</a:t>
+              <a:t>31.05.2020</a:t>
             </a:fld>
             <a:endParaRPr lang="cs-CZ"/>
           </a:p>
@@ -417,7 +422,7 @@
           <a:p>
             <a:fld id="{3C3E44C2-C35B-4928-B472-F799EE2990BC}" type="datetimeFigureOut">
               <a:rPr lang="cs-CZ" smtClean="0"/>
-              <a:t>28.05.2020</a:t>
+              <a:t>31.05.2020</a:t>
             </a:fld>
             <a:endParaRPr lang="cs-CZ"/>
           </a:p>
@@ -597,7 +602,7 @@
           <a:p>
             <a:fld id="{3C3E44C2-C35B-4928-B472-F799EE2990BC}" type="datetimeFigureOut">
               <a:rPr lang="cs-CZ" smtClean="0"/>
-              <a:t>28.05.2020</a:t>
+              <a:t>31.05.2020</a:t>
             </a:fld>
             <a:endParaRPr lang="cs-CZ"/>
           </a:p>
@@ -767,7 +772,7 @@
           <a:p>
             <a:fld id="{3C3E44C2-C35B-4928-B472-F799EE2990BC}" type="datetimeFigureOut">
               <a:rPr lang="cs-CZ" smtClean="0"/>
-              <a:t>28.05.2020</a:t>
+              <a:t>31.05.2020</a:t>
             </a:fld>
             <a:endParaRPr lang="cs-CZ"/>
           </a:p>
@@ -1013,7 +1018,7 @@
           <a:p>
             <a:fld id="{3C3E44C2-C35B-4928-B472-F799EE2990BC}" type="datetimeFigureOut">
               <a:rPr lang="cs-CZ" smtClean="0"/>
-              <a:t>28.05.2020</a:t>
+              <a:t>31.05.2020</a:t>
             </a:fld>
             <a:endParaRPr lang="cs-CZ"/>
           </a:p>
@@ -1245,7 +1250,7 @@
           <a:p>
             <a:fld id="{3C3E44C2-C35B-4928-B472-F799EE2990BC}" type="datetimeFigureOut">
               <a:rPr lang="cs-CZ" smtClean="0"/>
-              <a:t>28.05.2020</a:t>
+              <a:t>31.05.2020</a:t>
             </a:fld>
             <a:endParaRPr lang="cs-CZ"/>
           </a:p>
@@ -1612,7 +1617,7 @@
           <a:p>
             <a:fld id="{3C3E44C2-C35B-4928-B472-F799EE2990BC}" type="datetimeFigureOut">
               <a:rPr lang="cs-CZ" smtClean="0"/>
-              <a:t>28.05.2020</a:t>
+              <a:t>31.05.2020</a:t>
             </a:fld>
             <a:endParaRPr lang="cs-CZ"/>
           </a:p>
@@ -1730,7 +1735,7 @@
           <a:p>
             <a:fld id="{3C3E44C2-C35B-4928-B472-F799EE2990BC}" type="datetimeFigureOut">
               <a:rPr lang="cs-CZ" smtClean="0"/>
-              <a:t>28.05.2020</a:t>
+              <a:t>31.05.2020</a:t>
             </a:fld>
             <a:endParaRPr lang="cs-CZ"/>
           </a:p>
@@ -1825,7 +1830,7 @@
           <a:p>
             <a:fld id="{3C3E44C2-C35B-4928-B472-F799EE2990BC}" type="datetimeFigureOut">
               <a:rPr lang="cs-CZ" smtClean="0"/>
-              <a:t>28.05.2020</a:t>
+              <a:t>31.05.2020</a:t>
             </a:fld>
             <a:endParaRPr lang="cs-CZ"/>
           </a:p>
@@ -2102,7 +2107,7 @@
           <a:p>
             <a:fld id="{3C3E44C2-C35B-4928-B472-F799EE2990BC}" type="datetimeFigureOut">
               <a:rPr lang="cs-CZ" smtClean="0"/>
-              <a:t>28.05.2020</a:t>
+              <a:t>31.05.2020</a:t>
             </a:fld>
             <a:endParaRPr lang="cs-CZ"/>
           </a:p>
@@ -2359,7 +2364,7 @@
           <a:p>
             <a:fld id="{3C3E44C2-C35B-4928-B472-F799EE2990BC}" type="datetimeFigureOut">
               <a:rPr lang="cs-CZ" smtClean="0"/>
-              <a:t>28.05.2020</a:t>
+              <a:t>31.05.2020</a:t>
             </a:fld>
             <a:endParaRPr lang="cs-CZ"/>
           </a:p>
@@ -2572,7 +2577,7 @@
           <a:p>
             <a:fld id="{3C3E44C2-C35B-4928-B472-F799EE2990BC}" type="datetimeFigureOut">
               <a:rPr lang="cs-CZ" smtClean="0"/>
-              <a:t>28.05.2020</a:t>
+              <a:t>31.05.2020</a:t>
             </a:fld>
             <a:endParaRPr lang="cs-CZ"/>
           </a:p>
@@ -3147,31 +3152,6 @@
           </a:fontRef>
         </p:style>
       </p:cxnSp>
-      <p:sp>
-        <p:nvSpPr>
-          <p:cNvPr id="12" name="Subtitle 11">
-            <a:extLst>
-              <a:ext uri="{FF2B5EF4-FFF2-40B4-BE49-F238E27FC236}">
-                <a16:creationId xmlns:a16="http://schemas.microsoft.com/office/drawing/2014/main" id="{744F1BD2-6EC7-48A4-860C-A72C89B38B5A}"/>
-              </a:ext>
-            </a:extLst>
-          </p:cNvPr>
-          <p:cNvSpPr>
-            <a:spLocks noGrp="1"/>
-          </p:cNvSpPr>
-          <p:nvPr>
-            <p:ph type="subTitle" idx="1"/>
-          </p:nvPr>
-        </p:nvSpPr>
-        <p:spPr/>
-        <p:txBody>
-          <a:bodyPr/>
-          <a:lstStyle/>
-          <a:p>
-            <a:endParaRPr lang="cs-CZ"/>
-          </a:p>
-        </p:txBody>
-      </p:sp>
     </p:spTree>
     <p:extLst>
       <p:ext uri="{BB962C8B-B14F-4D97-AF65-F5344CB8AC3E}">
@@ -3345,54 +3325,6 @@
                                   </p:childTnLst>
                                 </p:cTn>
                               </p:par>
-                              <p:par>
-                                <p:cTn id="17" presetID="10" presetClass="entr" presetSubtype="0" fill="hold" grpId="0" nodeType="withEffect" nodePh="1">
-                                  <p:stCondLst>
-                                    <p:cond delay="0"/>
-                                  </p:stCondLst>
-                                  <p:endCondLst>
-                                    <p:cond evt="begin" delay="0">
-                                      <p:tn val="17"/>
-                                    </p:cond>
-                                  </p:endCondLst>
-                                  <p:childTnLst>
-                                    <p:set>
-                                      <p:cBhvr>
-                                        <p:cTn id="18" dur="1" fill="hold">
-                                          <p:stCondLst>
-                                            <p:cond delay="0"/>
-                                          </p:stCondLst>
-                                        </p:cTn>
-                                        <p:tgtEl>
-                                          <p:spTgt spid="12">
-                                            <p:txEl>
-                                              <p:pRg st="0" end="0"/>
-                                            </p:txEl>
-                                          </p:spTgt>
-                                        </p:tgtEl>
-                                        <p:attrNameLst>
-                                          <p:attrName>style.visibility</p:attrName>
-                                        </p:attrNameLst>
-                                      </p:cBhvr>
-                                      <p:to>
-                                        <p:strVal val="visible"/>
-                                      </p:to>
-                                    </p:set>
-                                    <p:animEffect transition="in" filter="fade">
-                                      <p:cBhvr>
-                                        <p:cTn id="19" dur="750"/>
-                                        <p:tgtEl>
-                                          <p:spTgt spid="12">
-                                            <p:txEl>
-                                              <p:pRg st="0" end="0"/>
-                                            </p:txEl>
-                                          </p:spTgt>
-                                        </p:tgtEl>
-                                      </p:cBhvr>
-                                    </p:animEffect>
-                                  </p:childTnLst>
-                                </p:cTn>
-                              </p:par>
                             </p:childTnLst>
                           </p:cTn>
                         </p:par>
@@ -3424,9 +3356,542 @@
       <p:bldP spid="2" grpId="0"/>
       <p:bldP spid="4" grpId="0" animBg="1"/>
       <p:bldP spid="5" grpId="0"/>
-      <p:bldP spid="12" grpId="0" build="p"/>
     </p:bldLst>
   </p:timing>
+</p:sld>
+</file>
+
+<file path=ppt/slides/slide10.xml><?xml version="1.0" encoding="utf-8"?>
+<p:sld xmlns:a="http://schemas.openxmlformats.org/drawingml/2006/main" xmlns:r="http://schemas.openxmlformats.org/officeDocument/2006/relationships" xmlns:p="http://schemas.openxmlformats.org/presentationml/2006/main">
+  <p:cSld>
+    <p:spTree>
+      <p:nvGrpSpPr>
+        <p:cNvPr id="1" name=""/>
+        <p:cNvGrpSpPr/>
+        <p:nvPr/>
+      </p:nvGrpSpPr>
+      <p:grpSpPr>
+        <a:xfrm>
+          <a:off x="0" y="0"/>
+          <a:ext cx="0" cy="0"/>
+          <a:chOff x="0" y="0"/>
+          <a:chExt cx="0" cy="0"/>
+        </a:xfrm>
+      </p:grpSpPr>
+      <p:cxnSp>
+        <p:nvCxnSpPr>
+          <p:cNvPr id="5" name="Straight Connector 4">
+            <a:extLst>
+              <a:ext uri="{FF2B5EF4-FFF2-40B4-BE49-F238E27FC236}">
+                <a16:creationId xmlns:a16="http://schemas.microsoft.com/office/drawing/2014/main" id="{8F628167-57C1-4305-BAE2-B4395BE7D706}"/>
+              </a:ext>
+            </a:extLst>
+          </p:cNvPr>
+          <p:cNvCxnSpPr>
+            <a:cxnSpLocks/>
+          </p:cNvCxnSpPr>
+          <p:nvPr/>
+        </p:nvCxnSpPr>
+        <p:spPr>
+          <a:xfrm>
+            <a:off x="3217068" y="1160463"/>
+            <a:ext cx="5757861" cy="0"/>
+          </a:xfrm>
+          <a:prstGeom prst="line">
+            <a:avLst/>
+          </a:prstGeom>
+        </p:spPr>
+        <p:style>
+          <a:lnRef idx="1">
+            <a:schemeClr val="accent3"/>
+          </a:lnRef>
+          <a:fillRef idx="0">
+            <a:schemeClr val="accent3"/>
+          </a:fillRef>
+          <a:effectRef idx="0">
+            <a:schemeClr val="accent3"/>
+          </a:effectRef>
+          <a:fontRef idx="minor">
+            <a:schemeClr val="tx1"/>
+          </a:fontRef>
+        </p:style>
+      </p:cxnSp>
+      <p:sp>
+        <p:nvSpPr>
+          <p:cNvPr id="6" name="Title 1">
+            <a:extLst>
+              <a:ext uri="{FF2B5EF4-FFF2-40B4-BE49-F238E27FC236}">
+                <a16:creationId xmlns:a16="http://schemas.microsoft.com/office/drawing/2014/main" id="{EC614B7E-32BB-41B8-ADA7-24735C613AC9}"/>
+              </a:ext>
+            </a:extLst>
+          </p:cNvPr>
+          <p:cNvSpPr txBox="1">
+            <a:spLocks/>
+          </p:cNvSpPr>
+          <p:nvPr/>
+        </p:nvSpPr>
+        <p:spPr>
+          <a:xfrm>
+            <a:off x="1524000" y="501651"/>
+            <a:ext cx="9144000" cy="592137"/>
+          </a:xfrm>
+          <a:prstGeom prst="rect">
+            <a:avLst/>
+          </a:prstGeom>
+        </p:spPr>
+        <p:txBody>
+          <a:bodyPr vert="horz" lIns="91440" tIns="45720" rIns="91440" bIns="45720" rtlCol="0" anchor="b">
+            <a:normAutofit/>
+          </a:bodyPr>
+          <a:lstStyle>
+            <a:lvl1pPr algn="ctr" defTabSz="914400" rtl="0" eaLnBrk="1" latinLnBrk="0" hangingPunct="1">
+              <a:lnSpc>
+                <a:spcPct val="90000"/>
+              </a:lnSpc>
+              <a:spcBef>
+                <a:spcPct val="0"/>
+              </a:spcBef>
+              <a:buNone/>
+              <a:defRPr sz="6000" kern="1200">
+                <a:solidFill>
+                  <a:schemeClr val="tx1"/>
+                </a:solidFill>
+                <a:latin typeface="+mj-lt"/>
+                <a:ea typeface="+mj-ea"/>
+                <a:cs typeface="+mj-cs"/>
+              </a:defRPr>
+            </a:lvl1pPr>
+          </a:lstStyle>
+          <a:p>
+            <a:r>
+              <a:rPr lang="cs-CZ" sz="3200" dirty="0">
+                <a:latin typeface="Bahnschrift Light" panose="020B0502040204020203" pitchFamily="34" charset="0"/>
+              </a:rPr>
+              <a:t>POPIS </a:t>
+            </a:r>
+            <a:r>
+              <a:rPr lang="cs-CZ" sz="3200" dirty="0">
+                <a:solidFill>
+                  <a:schemeClr val="tx1">
+                    <a:lumMod val="50000"/>
+                  </a:schemeClr>
+                </a:solidFill>
+                <a:latin typeface="Bahnschrift Light" panose="020B0502040204020203" pitchFamily="34" charset="0"/>
+              </a:rPr>
+              <a:t>BOJOVÉ SEKCE</a:t>
+            </a:r>
+          </a:p>
+        </p:txBody>
+      </p:sp>
+      <p:sp>
+        <p:nvSpPr>
+          <p:cNvPr id="18" name="Subtitle 6">
+            <a:extLst>
+              <a:ext uri="{FF2B5EF4-FFF2-40B4-BE49-F238E27FC236}">
+                <a16:creationId xmlns:a16="http://schemas.microsoft.com/office/drawing/2014/main" id="{43A7395F-9664-4A9E-BC72-2B95B9BF0096}"/>
+              </a:ext>
+            </a:extLst>
+          </p:cNvPr>
+          <p:cNvSpPr txBox="1">
+            <a:spLocks/>
+          </p:cNvSpPr>
+          <p:nvPr/>
+        </p:nvSpPr>
+        <p:spPr>
+          <a:xfrm>
+            <a:off x="338139" y="1492251"/>
+            <a:ext cx="8636790" cy="5046860"/>
+          </a:xfrm>
+          <a:prstGeom prst="rect">
+            <a:avLst/>
+          </a:prstGeom>
+        </p:spPr>
+        <p:txBody>
+          <a:bodyPr vert="horz" lIns="91440" tIns="45720" rIns="91440" bIns="45720" rtlCol="0">
+            <a:normAutofit/>
+          </a:bodyPr>
+          <a:lstStyle>
+            <a:lvl1pPr marL="228600" indent="-228600" algn="l" defTabSz="914400" rtl="0" eaLnBrk="1" latinLnBrk="0" hangingPunct="1">
+              <a:lnSpc>
+                <a:spcPct val="90000"/>
+              </a:lnSpc>
+              <a:spcBef>
+                <a:spcPts val="1000"/>
+              </a:spcBef>
+              <a:buFont typeface="Arial" panose="020B0604020202020204" pitchFamily="34" charset="0"/>
+              <a:buChar char="•"/>
+              <a:defRPr sz="2800" kern="1200">
+                <a:solidFill>
+                  <a:schemeClr val="tx1"/>
+                </a:solidFill>
+                <a:latin typeface="+mn-lt"/>
+                <a:ea typeface="+mn-ea"/>
+                <a:cs typeface="+mn-cs"/>
+              </a:defRPr>
+            </a:lvl1pPr>
+            <a:lvl2pPr marL="685800" indent="-228600" algn="l" defTabSz="914400" rtl="0" eaLnBrk="1" latinLnBrk="0" hangingPunct="1">
+              <a:lnSpc>
+                <a:spcPct val="90000"/>
+              </a:lnSpc>
+              <a:spcBef>
+                <a:spcPts val="500"/>
+              </a:spcBef>
+              <a:buFont typeface="Arial" panose="020B0604020202020204" pitchFamily="34" charset="0"/>
+              <a:buChar char="•"/>
+              <a:defRPr sz="2400" kern="1200">
+                <a:solidFill>
+                  <a:schemeClr val="tx1"/>
+                </a:solidFill>
+                <a:latin typeface="+mn-lt"/>
+                <a:ea typeface="+mn-ea"/>
+                <a:cs typeface="+mn-cs"/>
+              </a:defRPr>
+            </a:lvl2pPr>
+            <a:lvl3pPr marL="1143000" indent="-228600" algn="l" defTabSz="914400" rtl="0" eaLnBrk="1" latinLnBrk="0" hangingPunct="1">
+              <a:lnSpc>
+                <a:spcPct val="90000"/>
+              </a:lnSpc>
+              <a:spcBef>
+                <a:spcPts val="500"/>
+              </a:spcBef>
+              <a:buFont typeface="Arial" panose="020B0604020202020204" pitchFamily="34" charset="0"/>
+              <a:buChar char="•"/>
+              <a:defRPr sz="2000" kern="1200">
+                <a:solidFill>
+                  <a:schemeClr val="tx1"/>
+                </a:solidFill>
+                <a:latin typeface="+mn-lt"/>
+                <a:ea typeface="+mn-ea"/>
+                <a:cs typeface="+mn-cs"/>
+              </a:defRPr>
+            </a:lvl3pPr>
+            <a:lvl4pPr marL="1600200" indent="-228600" algn="l" defTabSz="914400" rtl="0" eaLnBrk="1" latinLnBrk="0" hangingPunct="1">
+              <a:lnSpc>
+                <a:spcPct val="90000"/>
+              </a:lnSpc>
+              <a:spcBef>
+                <a:spcPts val="500"/>
+              </a:spcBef>
+              <a:buFont typeface="Arial" panose="020B0604020202020204" pitchFamily="34" charset="0"/>
+              <a:buChar char="•"/>
+              <a:defRPr sz="1800" kern="1200">
+                <a:solidFill>
+                  <a:schemeClr val="tx1"/>
+                </a:solidFill>
+                <a:latin typeface="+mn-lt"/>
+                <a:ea typeface="+mn-ea"/>
+                <a:cs typeface="+mn-cs"/>
+              </a:defRPr>
+            </a:lvl4pPr>
+            <a:lvl5pPr marL="2057400" indent="-228600" algn="l" defTabSz="914400" rtl="0" eaLnBrk="1" latinLnBrk="0" hangingPunct="1">
+              <a:lnSpc>
+                <a:spcPct val="90000"/>
+              </a:lnSpc>
+              <a:spcBef>
+                <a:spcPts val="500"/>
+              </a:spcBef>
+              <a:buFont typeface="Arial" panose="020B0604020202020204" pitchFamily="34" charset="0"/>
+              <a:buChar char="•"/>
+              <a:defRPr sz="1800" kern="1200">
+                <a:solidFill>
+                  <a:schemeClr val="tx1"/>
+                </a:solidFill>
+                <a:latin typeface="+mn-lt"/>
+                <a:ea typeface="+mn-ea"/>
+                <a:cs typeface="+mn-cs"/>
+              </a:defRPr>
+            </a:lvl5pPr>
+            <a:lvl6pPr marL="2514600" indent="-228600" algn="l" defTabSz="914400" rtl="0" eaLnBrk="1" latinLnBrk="0" hangingPunct="1">
+              <a:lnSpc>
+                <a:spcPct val="90000"/>
+              </a:lnSpc>
+              <a:spcBef>
+                <a:spcPts val="500"/>
+              </a:spcBef>
+              <a:buFont typeface="Arial" panose="020B0604020202020204" pitchFamily="34" charset="0"/>
+              <a:buChar char="•"/>
+              <a:defRPr sz="1800" kern="1200">
+                <a:solidFill>
+                  <a:schemeClr val="tx1"/>
+                </a:solidFill>
+                <a:latin typeface="+mn-lt"/>
+                <a:ea typeface="+mn-ea"/>
+                <a:cs typeface="+mn-cs"/>
+              </a:defRPr>
+            </a:lvl6pPr>
+            <a:lvl7pPr marL="2971800" indent="-228600" algn="l" defTabSz="914400" rtl="0" eaLnBrk="1" latinLnBrk="0" hangingPunct="1">
+              <a:lnSpc>
+                <a:spcPct val="90000"/>
+              </a:lnSpc>
+              <a:spcBef>
+                <a:spcPts val="500"/>
+              </a:spcBef>
+              <a:buFont typeface="Arial" panose="020B0604020202020204" pitchFamily="34" charset="0"/>
+              <a:buChar char="•"/>
+              <a:defRPr sz="1800" kern="1200">
+                <a:solidFill>
+                  <a:schemeClr val="tx1"/>
+                </a:solidFill>
+                <a:latin typeface="+mn-lt"/>
+                <a:ea typeface="+mn-ea"/>
+                <a:cs typeface="+mn-cs"/>
+              </a:defRPr>
+            </a:lvl7pPr>
+            <a:lvl8pPr marL="3429000" indent="-228600" algn="l" defTabSz="914400" rtl="0" eaLnBrk="1" latinLnBrk="0" hangingPunct="1">
+              <a:lnSpc>
+                <a:spcPct val="90000"/>
+              </a:lnSpc>
+              <a:spcBef>
+                <a:spcPts val="500"/>
+              </a:spcBef>
+              <a:buFont typeface="Arial" panose="020B0604020202020204" pitchFamily="34" charset="0"/>
+              <a:buChar char="•"/>
+              <a:defRPr sz="1800" kern="1200">
+                <a:solidFill>
+                  <a:schemeClr val="tx1"/>
+                </a:solidFill>
+                <a:latin typeface="+mn-lt"/>
+                <a:ea typeface="+mn-ea"/>
+                <a:cs typeface="+mn-cs"/>
+              </a:defRPr>
+            </a:lvl8pPr>
+            <a:lvl9pPr marL="3886200" indent="-228600" algn="l" defTabSz="914400" rtl="0" eaLnBrk="1" latinLnBrk="0" hangingPunct="1">
+              <a:lnSpc>
+                <a:spcPct val="90000"/>
+              </a:lnSpc>
+              <a:spcBef>
+                <a:spcPts val="500"/>
+              </a:spcBef>
+              <a:buFont typeface="Arial" panose="020B0604020202020204" pitchFamily="34" charset="0"/>
+              <a:buChar char="•"/>
+              <a:defRPr sz="1800" kern="1200">
+                <a:solidFill>
+                  <a:schemeClr val="tx1"/>
+                </a:solidFill>
+                <a:latin typeface="+mn-lt"/>
+                <a:ea typeface="+mn-ea"/>
+                <a:cs typeface="+mn-cs"/>
+              </a:defRPr>
+            </a:lvl9pPr>
+          </a:lstStyle>
+          <a:p>
+            <a:pPr marL="0" indent="0">
+              <a:buNone/>
+            </a:pPr>
+            <a:r>
+              <a:rPr lang="cs-CZ" sz="1600" dirty="0">
+                <a:latin typeface="Bahnschrift" panose="020B0502040204020203" pitchFamily="34" charset="0"/>
+              </a:rPr>
+              <a:t>Kromě normálních větvících se dialogů lze také vytvořit „bojové sekce“</a:t>
+            </a:r>
+          </a:p>
+          <a:p>
+            <a:pPr marL="0" indent="0">
+              <a:buNone/>
+            </a:pPr>
+            <a:endParaRPr lang="cs-CZ" sz="1600" dirty="0">
+              <a:latin typeface="Bahnschrift" panose="020B0502040204020203" pitchFamily="34" charset="0"/>
+            </a:endParaRPr>
+          </a:p>
+          <a:p>
+            <a:pPr marL="0" indent="0">
+              <a:buNone/>
+            </a:pPr>
+            <a:endParaRPr lang="cs-CZ" sz="1600" dirty="0">
+              <a:latin typeface="Bahnschrift" panose="020B0502040204020203" pitchFamily="34" charset="0"/>
+            </a:endParaRPr>
+          </a:p>
+          <a:p>
+            <a:pPr marL="0" indent="0">
+              <a:buNone/>
+            </a:pPr>
+            <a:endParaRPr lang="cs-CZ" sz="1600" dirty="0">
+              <a:latin typeface="Bahnschrift" panose="020B0502040204020203" pitchFamily="34" charset="0"/>
+            </a:endParaRPr>
+          </a:p>
+          <a:p>
+            <a:pPr marL="0" indent="0">
+              <a:buNone/>
+            </a:pPr>
+            <a:r>
+              <a:rPr lang="cs-CZ" sz="600" dirty="0">
+                <a:latin typeface="Bahnschrift" panose="020B0502040204020203" pitchFamily="34" charset="0"/>
+              </a:rPr>
+              <a:t> </a:t>
+            </a:r>
+          </a:p>
+          <a:p>
+            <a:pPr marL="0" indent="0">
+              <a:buNone/>
+            </a:pPr>
+            <a:endParaRPr lang="cs-CZ" sz="600" dirty="0">
+              <a:latin typeface="Bahnschrift" panose="020B0502040204020203" pitchFamily="34" charset="0"/>
+            </a:endParaRPr>
+          </a:p>
+          <a:p>
+            <a:pPr marL="0" indent="0">
+              <a:buNone/>
+            </a:pPr>
+            <a:endParaRPr lang="cs-CZ" sz="600" dirty="0">
+              <a:latin typeface="Bahnschrift" panose="020B0502040204020203" pitchFamily="34" charset="0"/>
+            </a:endParaRPr>
+          </a:p>
+          <a:p>
+            <a:pPr marL="0" indent="0">
+              <a:buNone/>
+            </a:pPr>
+            <a:endParaRPr lang="cs-CZ" sz="600" dirty="0">
+              <a:latin typeface="Bahnschrift" panose="020B0502040204020203" pitchFamily="34" charset="0"/>
+            </a:endParaRPr>
+          </a:p>
+          <a:p>
+            <a:pPr marL="0" indent="0">
+              <a:buNone/>
+            </a:pPr>
+            <a:endParaRPr lang="cs-CZ" sz="1600" dirty="0">
+              <a:latin typeface="Bahnschrift" panose="020B0502040204020203" pitchFamily="34" charset="0"/>
+            </a:endParaRPr>
+          </a:p>
+          <a:p>
+            <a:pPr marL="0" indent="0">
+              <a:buNone/>
+            </a:pPr>
+            <a:r>
+              <a:rPr lang="cs-CZ" sz="1100" i="1" dirty="0">
+                <a:solidFill>
+                  <a:schemeClr val="tx1">
+                    <a:lumMod val="75000"/>
+                  </a:schemeClr>
+                </a:solidFill>
+                <a:latin typeface="Bahnschrift" panose="020B0502040204020203" pitchFamily="34" charset="0"/>
+              </a:rPr>
+              <a:t>Ukázka obsahu buňky v BATTLE.nodes</a:t>
+            </a:r>
+          </a:p>
+          <a:p>
+            <a:pPr marL="0" indent="0">
+              <a:buNone/>
+            </a:pPr>
+            <a:endParaRPr lang="cs-CZ" sz="2000" i="1" dirty="0">
+              <a:latin typeface="Bahnschrift" panose="020B0502040204020203" pitchFamily="34" charset="0"/>
+            </a:endParaRPr>
+          </a:p>
+        </p:txBody>
+      </p:sp>
+      <p:sp>
+        <p:nvSpPr>
+          <p:cNvPr id="19" name="Title 1">
+            <a:extLst>
+              <a:ext uri="{FF2B5EF4-FFF2-40B4-BE49-F238E27FC236}">
+                <a16:creationId xmlns:a16="http://schemas.microsoft.com/office/drawing/2014/main" id="{154CDD36-FBAD-4702-B92C-E2B05372F374}"/>
+              </a:ext>
+            </a:extLst>
+          </p:cNvPr>
+          <p:cNvSpPr txBox="1">
+            <a:spLocks/>
+          </p:cNvSpPr>
+          <p:nvPr/>
+        </p:nvSpPr>
+        <p:spPr>
+          <a:xfrm>
+            <a:off x="161925" y="103188"/>
+            <a:ext cx="10506075" cy="398463"/>
+          </a:xfrm>
+          <a:prstGeom prst="rect">
+            <a:avLst/>
+          </a:prstGeom>
+        </p:spPr>
+        <p:txBody>
+          <a:bodyPr vert="horz" lIns="91440" tIns="45720" rIns="91440" bIns="45720" rtlCol="0" anchor="b">
+            <a:normAutofit/>
+          </a:bodyPr>
+          <a:lstStyle>
+            <a:lvl1pPr algn="ctr" defTabSz="914400" rtl="0" eaLnBrk="1" latinLnBrk="0" hangingPunct="1">
+              <a:lnSpc>
+                <a:spcPct val="90000"/>
+              </a:lnSpc>
+              <a:spcBef>
+                <a:spcPct val="0"/>
+              </a:spcBef>
+              <a:buNone/>
+              <a:defRPr sz="6000" kern="1200">
+                <a:solidFill>
+                  <a:schemeClr val="tx1"/>
+                </a:solidFill>
+                <a:latin typeface="+mj-lt"/>
+                <a:ea typeface="+mj-ea"/>
+                <a:cs typeface="+mj-cs"/>
+              </a:defRPr>
+            </a:lvl1pPr>
+          </a:lstStyle>
+          <a:p>
+            <a:pPr algn="l"/>
+            <a:r>
+              <a:rPr lang="cs-CZ" sz="1800" i="1" dirty="0">
+                <a:solidFill>
+                  <a:schemeClr val="tx1">
+                    <a:lumMod val="50000"/>
+                  </a:schemeClr>
+                </a:solidFill>
+                <a:latin typeface="Bahnschrift Light" panose="020B0502040204020203" pitchFamily="34" charset="0"/>
+              </a:rPr>
+              <a:t>TEXT BASED STORY ENGINE</a:t>
+            </a:r>
+          </a:p>
+        </p:txBody>
+      </p:sp>
+      <p:pic>
+        <p:nvPicPr>
+          <p:cNvPr id="2" name="Picture 1">
+            <a:extLst>
+              <a:ext uri="{FF2B5EF4-FFF2-40B4-BE49-F238E27FC236}">
+                <a16:creationId xmlns:a16="http://schemas.microsoft.com/office/drawing/2014/main" id="{0D668B2F-EF3C-4958-B8FF-5401B772CE3A}"/>
+              </a:ext>
+            </a:extLst>
+          </p:cNvPr>
+          <p:cNvPicPr>
+            <a:picLocks noChangeAspect="1"/>
+          </p:cNvPicPr>
+          <p:nvPr/>
+        </p:nvPicPr>
+        <p:blipFill>
+          <a:blip r:embed="rId2"/>
+          <a:stretch>
+            <a:fillRect/>
+          </a:stretch>
+        </p:blipFill>
+        <p:spPr>
+          <a:xfrm>
+            <a:off x="436517" y="4337049"/>
+            <a:ext cx="2174966" cy="2057400"/>
+          </a:xfrm>
+          <a:prstGeom prst="rect">
+            <a:avLst/>
+          </a:prstGeom>
+        </p:spPr>
+      </p:pic>
+    </p:spTree>
+    <p:extLst>
+      <p:ext uri="{BB962C8B-B14F-4D97-AF65-F5344CB8AC3E}">
+        <p14:creationId xmlns:p14="http://schemas.microsoft.com/office/powerpoint/2010/main" val="4074923114"/>
+      </p:ext>
+    </p:extLst>
+  </p:cSld>
+  <p:clrMapOvr>
+    <a:masterClrMapping/>
+  </p:clrMapOvr>
+  <mc:AlternateContent xmlns:mc="http://schemas.openxmlformats.org/markup-compatibility/2006" xmlns:p14="http://schemas.microsoft.com/office/powerpoint/2010/main">
+    <mc:Choice Requires="p14">
+      <p:transition spd="med" p14:dur="700">
+        <p:fade/>
+      </p:transition>
+    </mc:Choice>
+    <mc:Fallback xmlns="">
+      <p:transition spd="med">
+        <p:fade/>
+      </p:transition>
+    </mc:Fallback>
+  </mc:AlternateContent>
 </p:sld>
 </file>
 
@@ -3556,7 +4021,7 @@
               <a:rPr lang="cs-CZ" sz="2000" dirty="0">
                 <a:latin typeface="Bahnschrift" panose="020B0502040204020203" pitchFamily="34" charset="0"/>
               </a:rPr>
-              <a:t>Větvící se dialog</a:t>
+              <a:t>Větvící se dialog s podmínkami a ukládáním</a:t>
             </a:r>
           </a:p>
           <a:p>
@@ -3769,6 +4234,18 @@
   <p:clrMapOvr>
     <a:masterClrMapping/>
   </p:clrMapOvr>
+  <mc:AlternateContent xmlns:mc="http://schemas.openxmlformats.org/markup-compatibility/2006" xmlns:p14="http://schemas.microsoft.com/office/powerpoint/2010/main">
+    <mc:Choice Requires="p14">
+      <p:transition spd="med" p14:dur="700">
+        <p:fade/>
+      </p:transition>
+    </mc:Choice>
+    <mc:Fallback xmlns="">
+      <p:transition spd="med">
+        <p:fade/>
+      </p:transition>
+    </mc:Fallback>
+  </mc:AlternateContent>
 </p:sld>
 </file>
 
@@ -4511,6 +4988,18 @@
   <p:clrMapOvr>
     <a:masterClrMapping/>
   </p:clrMapOvr>
+  <mc:AlternateContent xmlns:mc="http://schemas.openxmlformats.org/markup-compatibility/2006" xmlns:p14="http://schemas.microsoft.com/office/powerpoint/2010/main">
+    <mc:Choice Requires="p14">
+      <p:transition spd="med" p14:dur="700">
+        <p:fade/>
+      </p:transition>
+    </mc:Choice>
+    <mc:Fallback xmlns="">
+      <p:transition spd="med">
+        <p:fade/>
+      </p:transition>
+    </mc:Fallback>
+  </mc:AlternateContent>
 </p:sld>
 </file>
 
@@ -4891,7 +5380,7 @@
               <a:rPr lang="cs-CZ" sz="1600" dirty="0">
                 <a:latin typeface="Bahnschrift" panose="020B0502040204020203" pitchFamily="34" charset="0"/>
               </a:rPr>
-              <a:t>DIALOG.nodes 	- </a:t>
+              <a:t>DIALOG.nodes 		- </a:t>
             </a:r>
             <a:r>
               <a:rPr lang="cs-CZ" sz="1600" i="1" dirty="0">
@@ -4906,7 +5395,7 @@
               <a:rPr lang="cs-CZ" sz="1600" dirty="0">
                 <a:latin typeface="Bahnschrift" panose="020B0502040204020203" pitchFamily="34" charset="0"/>
               </a:rPr>
-              <a:t>BATTLE.nodes 	- </a:t>
+              <a:t>BATTLE.nodes 		- </a:t>
             </a:r>
             <a:r>
               <a:rPr lang="cs-CZ" sz="1600" i="1" dirty="0">
@@ -4921,13 +5410,39 @@
               <a:rPr lang="cs-CZ" sz="1600" dirty="0">
                 <a:latin typeface="Bahnschrift" panose="020B0502040204020203" pitchFamily="34" charset="0"/>
               </a:rPr>
-              <a:t>ITEMS.nodes	- </a:t>
+              <a:t>ITEMS.nodes		- </a:t>
             </a:r>
             <a:r>
               <a:rPr lang="cs-CZ" sz="1600" i="1" dirty="0">
                 <a:latin typeface="Bahnschrift" panose="020B0502040204020203" pitchFamily="34" charset="0"/>
               </a:rPr>
               <a:t>Obsahuje Data pro předměty</a:t>
+            </a:r>
+          </a:p>
+          <a:p>
+            <a:pPr marL="342900" indent="-342900"/>
+            <a:r>
+              <a:rPr lang="cs-CZ" sz="1600" dirty="0">
+                <a:latin typeface="Bahnschrift" panose="020B0502040204020203" pitchFamily="34" charset="0"/>
+              </a:rPr>
+              <a:t>WEAPONS.nodes	- </a:t>
+            </a:r>
+            <a:r>
+              <a:rPr lang="cs-CZ" sz="1600" i="1" dirty="0">
+                <a:latin typeface="Bahnschrift" panose="020B0502040204020203" pitchFamily="34" charset="0"/>
+              </a:rPr>
+              <a:t>Obsahuje Data pro zbraně </a:t>
+            </a:r>
+            <a:r>
+              <a:rPr lang="cs-CZ" sz="1600" i="1" dirty="0">
+                <a:solidFill>
+                  <a:schemeClr val="tx1">
+                    <a:lumMod val="75000"/>
+                  </a:schemeClr>
+                </a:solidFill>
+                <a:latin typeface="Bahnschrift" panose="020B0502040204020203" pitchFamily="34" charset="0"/>
+              </a:rPr>
+              <a:t>(Neimplementováno)</a:t>
             </a:r>
           </a:p>
           <a:p>
@@ -5061,6 +5576,18 @@
   <p:clrMapOvr>
     <a:masterClrMapping/>
   </p:clrMapOvr>
+  <mc:AlternateContent xmlns:mc="http://schemas.openxmlformats.org/markup-compatibility/2006" xmlns:p14="http://schemas.microsoft.com/office/powerpoint/2010/main">
+    <mc:Choice Requires="p14">
+      <p:transition spd="med" p14:dur="700">
+        <p:fade/>
+      </p:transition>
+    </mc:Choice>
+    <mc:Fallback xmlns="">
+      <p:transition spd="med">
+        <p:fade/>
+      </p:transition>
+    </mc:Fallback>
+  </mc:AlternateContent>
 </p:sld>
 </file>
 
@@ -5396,7 +5923,7 @@
               <a:rPr lang="cs-CZ" sz="1600" dirty="0">
                 <a:latin typeface="Bahnschrift" panose="020B0502040204020203" pitchFamily="34" charset="0"/>
               </a:rPr>
-              <a:t>Soubory .nodes používají výhradně JSON syntaxi. Proto jsou příběhy zapsány v nezávislých „buňkách“ rozlišených pomocí ID.</a:t>
+              <a:t>Soubory .nodes používají výhradně JSON syntaxi. Proto jsou příběhy zapsány v nezávislích „buňkách“ rozlišených pomocí ID.</a:t>
             </a:r>
           </a:p>
           <a:p>
@@ -5532,6 +6059,2274 @@
   <p:clrMapOvr>
     <a:masterClrMapping/>
   </p:clrMapOvr>
+  <mc:AlternateContent xmlns:mc="http://schemas.openxmlformats.org/markup-compatibility/2006" xmlns:p14="http://schemas.microsoft.com/office/powerpoint/2010/main">
+    <mc:Choice Requires="p14">
+      <p:transition spd="med" p14:dur="700">
+        <p:fade/>
+      </p:transition>
+    </mc:Choice>
+    <mc:Fallback xmlns="">
+      <p:transition spd="med">
+        <p:fade/>
+      </p:transition>
+    </mc:Fallback>
+  </mc:AlternateContent>
+</p:sld>
+</file>
+
+<file path=ppt/slides/slide6.xml><?xml version="1.0" encoding="utf-8"?>
+<p:sld xmlns:a="http://schemas.openxmlformats.org/drawingml/2006/main" xmlns:r="http://schemas.openxmlformats.org/officeDocument/2006/relationships" xmlns:p="http://schemas.openxmlformats.org/presentationml/2006/main">
+  <p:cSld>
+    <p:spTree>
+      <p:nvGrpSpPr>
+        <p:cNvPr id="1" name=""/>
+        <p:cNvGrpSpPr/>
+        <p:nvPr/>
+      </p:nvGrpSpPr>
+      <p:grpSpPr>
+        <a:xfrm>
+          <a:off x="0" y="0"/>
+          <a:ext cx="0" cy="0"/>
+          <a:chOff x="0" y="0"/>
+          <a:chExt cx="0" cy="0"/>
+        </a:xfrm>
+      </p:grpSpPr>
+      <p:cxnSp>
+        <p:nvCxnSpPr>
+          <p:cNvPr id="5" name="Straight Connector 4">
+            <a:extLst>
+              <a:ext uri="{FF2B5EF4-FFF2-40B4-BE49-F238E27FC236}">
+                <a16:creationId xmlns:a16="http://schemas.microsoft.com/office/drawing/2014/main" id="{8F628167-57C1-4305-BAE2-B4395BE7D706}"/>
+              </a:ext>
+            </a:extLst>
+          </p:cNvPr>
+          <p:cNvCxnSpPr>
+            <a:cxnSpLocks/>
+          </p:cNvCxnSpPr>
+          <p:nvPr/>
+        </p:nvCxnSpPr>
+        <p:spPr>
+          <a:xfrm>
+            <a:off x="3217068" y="1160463"/>
+            <a:ext cx="5757861" cy="0"/>
+          </a:xfrm>
+          <a:prstGeom prst="line">
+            <a:avLst/>
+          </a:prstGeom>
+        </p:spPr>
+        <p:style>
+          <a:lnRef idx="1">
+            <a:schemeClr val="accent3"/>
+          </a:lnRef>
+          <a:fillRef idx="0">
+            <a:schemeClr val="accent3"/>
+          </a:fillRef>
+          <a:effectRef idx="0">
+            <a:schemeClr val="accent3"/>
+          </a:effectRef>
+          <a:fontRef idx="minor">
+            <a:schemeClr val="tx1"/>
+          </a:fontRef>
+        </p:style>
+      </p:cxnSp>
+      <p:sp>
+        <p:nvSpPr>
+          <p:cNvPr id="6" name="Title 1">
+            <a:extLst>
+              <a:ext uri="{FF2B5EF4-FFF2-40B4-BE49-F238E27FC236}">
+                <a16:creationId xmlns:a16="http://schemas.microsoft.com/office/drawing/2014/main" id="{EC614B7E-32BB-41B8-ADA7-24735C613AC9}"/>
+              </a:ext>
+            </a:extLst>
+          </p:cNvPr>
+          <p:cNvSpPr txBox="1">
+            <a:spLocks/>
+          </p:cNvSpPr>
+          <p:nvPr/>
+        </p:nvSpPr>
+        <p:spPr>
+          <a:xfrm>
+            <a:off x="1524000" y="501651"/>
+            <a:ext cx="9144000" cy="592137"/>
+          </a:xfrm>
+          <a:prstGeom prst="rect">
+            <a:avLst/>
+          </a:prstGeom>
+        </p:spPr>
+        <p:txBody>
+          <a:bodyPr vert="horz" lIns="91440" tIns="45720" rIns="91440" bIns="45720" rtlCol="0" anchor="b">
+            <a:normAutofit/>
+          </a:bodyPr>
+          <a:lstStyle>
+            <a:lvl1pPr algn="ctr" defTabSz="914400" rtl="0" eaLnBrk="1" latinLnBrk="0" hangingPunct="1">
+              <a:lnSpc>
+                <a:spcPct val="90000"/>
+              </a:lnSpc>
+              <a:spcBef>
+                <a:spcPct val="0"/>
+              </a:spcBef>
+              <a:buNone/>
+              <a:defRPr sz="6000" kern="1200">
+                <a:solidFill>
+                  <a:schemeClr val="tx1"/>
+                </a:solidFill>
+                <a:latin typeface="+mj-lt"/>
+                <a:ea typeface="+mj-ea"/>
+                <a:cs typeface="+mj-cs"/>
+              </a:defRPr>
+            </a:lvl1pPr>
+          </a:lstStyle>
+          <a:p>
+            <a:r>
+              <a:rPr lang="cs-CZ" sz="3200" dirty="0">
+                <a:latin typeface="Bahnschrift Light" panose="020B0502040204020203" pitchFamily="34" charset="0"/>
+              </a:rPr>
+              <a:t>POPIS </a:t>
+            </a:r>
+            <a:r>
+              <a:rPr lang="cs-CZ" sz="3200" dirty="0">
+                <a:solidFill>
+                  <a:schemeClr val="tx1">
+                    <a:lumMod val="50000"/>
+                  </a:schemeClr>
+                </a:solidFill>
+                <a:latin typeface="Bahnschrift Light" panose="020B0502040204020203" pitchFamily="34" charset="0"/>
+              </a:rPr>
+              <a:t>DIALOG.nodes</a:t>
+            </a:r>
+          </a:p>
+        </p:txBody>
+      </p:sp>
+      <p:sp>
+        <p:nvSpPr>
+          <p:cNvPr id="19" name="Title 1">
+            <a:extLst>
+              <a:ext uri="{FF2B5EF4-FFF2-40B4-BE49-F238E27FC236}">
+                <a16:creationId xmlns:a16="http://schemas.microsoft.com/office/drawing/2014/main" id="{154CDD36-FBAD-4702-B92C-E2B05372F374}"/>
+              </a:ext>
+            </a:extLst>
+          </p:cNvPr>
+          <p:cNvSpPr txBox="1">
+            <a:spLocks/>
+          </p:cNvSpPr>
+          <p:nvPr/>
+        </p:nvSpPr>
+        <p:spPr>
+          <a:xfrm>
+            <a:off x="161925" y="103188"/>
+            <a:ext cx="10506075" cy="398463"/>
+          </a:xfrm>
+          <a:prstGeom prst="rect">
+            <a:avLst/>
+          </a:prstGeom>
+        </p:spPr>
+        <p:txBody>
+          <a:bodyPr vert="horz" lIns="91440" tIns="45720" rIns="91440" bIns="45720" rtlCol="0" anchor="b">
+            <a:normAutofit/>
+          </a:bodyPr>
+          <a:lstStyle>
+            <a:lvl1pPr algn="ctr" defTabSz="914400" rtl="0" eaLnBrk="1" latinLnBrk="0" hangingPunct="1">
+              <a:lnSpc>
+                <a:spcPct val="90000"/>
+              </a:lnSpc>
+              <a:spcBef>
+                <a:spcPct val="0"/>
+              </a:spcBef>
+              <a:buNone/>
+              <a:defRPr sz="6000" kern="1200">
+                <a:solidFill>
+                  <a:schemeClr val="tx1"/>
+                </a:solidFill>
+                <a:latin typeface="+mj-lt"/>
+                <a:ea typeface="+mj-ea"/>
+                <a:cs typeface="+mj-cs"/>
+              </a:defRPr>
+            </a:lvl1pPr>
+          </a:lstStyle>
+          <a:p>
+            <a:pPr algn="l"/>
+            <a:r>
+              <a:rPr lang="cs-CZ" sz="1800" i="1" dirty="0">
+                <a:solidFill>
+                  <a:schemeClr val="tx1">
+                    <a:lumMod val="50000"/>
+                  </a:schemeClr>
+                </a:solidFill>
+                <a:latin typeface="Bahnschrift Light" panose="020B0502040204020203" pitchFamily="34" charset="0"/>
+              </a:rPr>
+              <a:t>TEXT BASED STORY ENGINE</a:t>
+            </a:r>
+          </a:p>
+        </p:txBody>
+      </p:sp>
+      <p:pic>
+        <p:nvPicPr>
+          <p:cNvPr id="2" name="Picture 1">
+            <a:extLst>
+              <a:ext uri="{FF2B5EF4-FFF2-40B4-BE49-F238E27FC236}">
+                <a16:creationId xmlns:a16="http://schemas.microsoft.com/office/drawing/2014/main" id="{3702F707-0B26-4CA8-B5C9-A9431492B59D}"/>
+              </a:ext>
+            </a:extLst>
+          </p:cNvPr>
+          <p:cNvPicPr>
+            <a:picLocks noChangeAspect="1"/>
+          </p:cNvPicPr>
+          <p:nvPr/>
+        </p:nvPicPr>
+        <p:blipFill rotWithShape="1">
+          <a:blip r:embed="rId2"/>
+          <a:srcRect l="1534"/>
+          <a:stretch/>
+        </p:blipFill>
+        <p:spPr>
+          <a:xfrm>
+            <a:off x="1631012" y="2030995"/>
+            <a:ext cx="8497237" cy="3657600"/>
+          </a:xfrm>
+          <a:prstGeom prst="rect">
+            <a:avLst/>
+          </a:prstGeom>
+        </p:spPr>
+      </p:pic>
+      <p:sp>
+        <p:nvSpPr>
+          <p:cNvPr id="9" name="Rectangle 8">
+            <a:extLst>
+              <a:ext uri="{FF2B5EF4-FFF2-40B4-BE49-F238E27FC236}">
+                <a16:creationId xmlns:a16="http://schemas.microsoft.com/office/drawing/2014/main" id="{9800DB2D-51A5-464A-8E2F-33E49585B0F6}"/>
+              </a:ext>
+            </a:extLst>
+          </p:cNvPr>
+          <p:cNvSpPr/>
+          <p:nvPr/>
+        </p:nvSpPr>
+        <p:spPr>
+          <a:xfrm>
+            <a:off x="1742441" y="2186822"/>
+            <a:ext cx="8252460" cy="1120139"/>
+          </a:xfrm>
+          <a:prstGeom prst="rect">
+            <a:avLst/>
+          </a:prstGeom>
+          <a:noFill/>
+          <a:ln>
+            <a:solidFill>
+              <a:schemeClr val="accent6">
+                <a:lumMod val="75000"/>
+              </a:schemeClr>
+            </a:solidFill>
+          </a:ln>
+        </p:spPr>
+        <p:style>
+          <a:lnRef idx="2">
+            <a:schemeClr val="accent2"/>
+          </a:lnRef>
+          <a:fillRef idx="1">
+            <a:schemeClr val="lt1"/>
+          </a:fillRef>
+          <a:effectRef idx="0">
+            <a:schemeClr val="accent2"/>
+          </a:effectRef>
+          <a:fontRef idx="minor">
+            <a:schemeClr val="dk1"/>
+          </a:fontRef>
+        </p:style>
+        <p:txBody>
+          <a:bodyPr rtlCol="0" anchor="ctr"/>
+          <a:lstStyle/>
+          <a:p>
+            <a:pPr algn="ctr"/>
+            <a:endParaRPr lang="cs-CZ"/>
+          </a:p>
+        </p:txBody>
+      </p:sp>
+      <p:cxnSp>
+        <p:nvCxnSpPr>
+          <p:cNvPr id="10" name="Straight Connector 9">
+            <a:extLst>
+              <a:ext uri="{FF2B5EF4-FFF2-40B4-BE49-F238E27FC236}">
+                <a16:creationId xmlns:a16="http://schemas.microsoft.com/office/drawing/2014/main" id="{5B725D11-D624-4582-8B2D-F8A16611DB72}"/>
+              </a:ext>
+            </a:extLst>
+          </p:cNvPr>
+          <p:cNvCxnSpPr>
+            <a:cxnSpLocks/>
+          </p:cNvCxnSpPr>
+          <p:nvPr/>
+        </p:nvCxnSpPr>
+        <p:spPr>
+          <a:xfrm flipV="1">
+            <a:off x="9994902" y="2809497"/>
+            <a:ext cx="1988818" cy="2624"/>
+          </a:xfrm>
+          <a:prstGeom prst="line">
+            <a:avLst/>
+          </a:prstGeom>
+          <a:ln>
+            <a:solidFill>
+              <a:schemeClr val="accent6">
+                <a:lumMod val="75000"/>
+              </a:schemeClr>
+            </a:solidFill>
+          </a:ln>
+        </p:spPr>
+        <p:style>
+          <a:lnRef idx="1">
+            <a:schemeClr val="accent2"/>
+          </a:lnRef>
+          <a:fillRef idx="0">
+            <a:schemeClr val="accent2"/>
+          </a:fillRef>
+          <a:effectRef idx="0">
+            <a:schemeClr val="accent2"/>
+          </a:effectRef>
+          <a:fontRef idx="minor">
+            <a:schemeClr val="tx1"/>
+          </a:fontRef>
+        </p:style>
+      </p:cxnSp>
+      <p:sp>
+        <p:nvSpPr>
+          <p:cNvPr id="11" name="Rectangle 10">
+            <a:extLst>
+              <a:ext uri="{FF2B5EF4-FFF2-40B4-BE49-F238E27FC236}">
+                <a16:creationId xmlns:a16="http://schemas.microsoft.com/office/drawing/2014/main" id="{FBED6417-9996-4502-B58E-5BB8BB85F4A4}"/>
+              </a:ext>
+            </a:extLst>
+          </p:cNvPr>
+          <p:cNvSpPr/>
+          <p:nvPr/>
+        </p:nvSpPr>
+        <p:spPr>
+          <a:xfrm>
+            <a:off x="1742441" y="3340924"/>
+            <a:ext cx="2495550" cy="508809"/>
+          </a:xfrm>
+          <a:prstGeom prst="rect">
+            <a:avLst/>
+          </a:prstGeom>
+          <a:noFill/>
+        </p:spPr>
+        <p:style>
+          <a:lnRef idx="2">
+            <a:schemeClr val="accent2"/>
+          </a:lnRef>
+          <a:fillRef idx="1">
+            <a:schemeClr val="lt1"/>
+          </a:fillRef>
+          <a:effectRef idx="0">
+            <a:schemeClr val="accent2"/>
+          </a:effectRef>
+          <a:fontRef idx="minor">
+            <a:schemeClr val="dk1"/>
+          </a:fontRef>
+        </p:style>
+        <p:txBody>
+          <a:bodyPr rtlCol="0" anchor="ctr"/>
+          <a:lstStyle/>
+          <a:p>
+            <a:pPr algn="ctr"/>
+            <a:endParaRPr lang="cs-CZ"/>
+          </a:p>
+        </p:txBody>
+      </p:sp>
+      <p:cxnSp>
+        <p:nvCxnSpPr>
+          <p:cNvPr id="12" name="Straight Connector 11">
+            <a:extLst>
+              <a:ext uri="{FF2B5EF4-FFF2-40B4-BE49-F238E27FC236}">
+                <a16:creationId xmlns:a16="http://schemas.microsoft.com/office/drawing/2014/main" id="{50EB58FA-A4A0-4C5C-8111-B4EF4E366312}"/>
+              </a:ext>
+            </a:extLst>
+          </p:cNvPr>
+          <p:cNvCxnSpPr>
+            <a:cxnSpLocks/>
+            <a:stCxn id="11" idx="1"/>
+          </p:cNvCxnSpPr>
+          <p:nvPr/>
+        </p:nvCxnSpPr>
+        <p:spPr>
+          <a:xfrm flipH="1">
+            <a:off x="393700" y="3595329"/>
+            <a:ext cx="1348741" cy="0"/>
+          </a:xfrm>
+          <a:prstGeom prst="line">
+            <a:avLst/>
+          </a:prstGeom>
+        </p:spPr>
+        <p:style>
+          <a:lnRef idx="1">
+            <a:schemeClr val="accent2"/>
+          </a:lnRef>
+          <a:fillRef idx="0">
+            <a:schemeClr val="accent2"/>
+          </a:fillRef>
+          <a:effectRef idx="0">
+            <a:schemeClr val="accent2"/>
+          </a:effectRef>
+          <a:fontRef idx="minor">
+            <a:schemeClr val="tx1"/>
+          </a:fontRef>
+        </p:style>
+      </p:cxnSp>
+      <p:sp>
+        <p:nvSpPr>
+          <p:cNvPr id="13" name="Rectangle 12">
+            <a:extLst>
+              <a:ext uri="{FF2B5EF4-FFF2-40B4-BE49-F238E27FC236}">
+                <a16:creationId xmlns:a16="http://schemas.microsoft.com/office/drawing/2014/main" id="{A951517E-C587-46F3-8FEC-5CFA71179995}"/>
+              </a:ext>
+            </a:extLst>
+          </p:cNvPr>
+          <p:cNvSpPr/>
+          <p:nvPr/>
+        </p:nvSpPr>
+        <p:spPr>
+          <a:xfrm>
+            <a:off x="1742441" y="3883697"/>
+            <a:ext cx="2495550" cy="1412086"/>
+          </a:xfrm>
+          <a:prstGeom prst="rect">
+            <a:avLst/>
+          </a:prstGeom>
+          <a:noFill/>
+        </p:spPr>
+        <p:style>
+          <a:lnRef idx="2">
+            <a:schemeClr val="accent2"/>
+          </a:lnRef>
+          <a:fillRef idx="1">
+            <a:schemeClr val="lt1"/>
+          </a:fillRef>
+          <a:effectRef idx="0">
+            <a:schemeClr val="accent2"/>
+          </a:effectRef>
+          <a:fontRef idx="minor">
+            <a:schemeClr val="dk1"/>
+          </a:fontRef>
+        </p:style>
+        <p:txBody>
+          <a:bodyPr rtlCol="0" anchor="ctr"/>
+          <a:lstStyle/>
+          <a:p>
+            <a:pPr algn="ctr"/>
+            <a:endParaRPr lang="cs-CZ"/>
+          </a:p>
+        </p:txBody>
+      </p:sp>
+      <p:cxnSp>
+        <p:nvCxnSpPr>
+          <p:cNvPr id="14" name="Straight Connector 13">
+            <a:extLst>
+              <a:ext uri="{FF2B5EF4-FFF2-40B4-BE49-F238E27FC236}">
+                <a16:creationId xmlns:a16="http://schemas.microsoft.com/office/drawing/2014/main" id="{C528EB16-567C-4A00-A9EF-130768955BE2}"/>
+              </a:ext>
+            </a:extLst>
+          </p:cNvPr>
+          <p:cNvCxnSpPr>
+            <a:cxnSpLocks/>
+            <a:stCxn id="13" idx="1"/>
+          </p:cNvCxnSpPr>
+          <p:nvPr/>
+        </p:nvCxnSpPr>
+        <p:spPr>
+          <a:xfrm flipH="1">
+            <a:off x="393700" y="4589740"/>
+            <a:ext cx="1348741" cy="0"/>
+          </a:xfrm>
+          <a:prstGeom prst="line">
+            <a:avLst/>
+          </a:prstGeom>
+        </p:spPr>
+        <p:style>
+          <a:lnRef idx="1">
+            <a:schemeClr val="accent2"/>
+          </a:lnRef>
+          <a:fillRef idx="0">
+            <a:schemeClr val="accent2"/>
+          </a:fillRef>
+          <a:effectRef idx="0">
+            <a:schemeClr val="accent2"/>
+          </a:effectRef>
+          <a:fontRef idx="minor">
+            <a:schemeClr val="tx1"/>
+          </a:fontRef>
+        </p:style>
+      </p:cxnSp>
+      <p:sp>
+        <p:nvSpPr>
+          <p:cNvPr id="15" name="Rectangle 14">
+            <a:extLst>
+              <a:ext uri="{FF2B5EF4-FFF2-40B4-BE49-F238E27FC236}">
+                <a16:creationId xmlns:a16="http://schemas.microsoft.com/office/drawing/2014/main" id="{0FDEE387-3738-4A06-8EBD-EC1BEF2D7D2D}"/>
+              </a:ext>
+            </a:extLst>
+          </p:cNvPr>
+          <p:cNvSpPr/>
+          <p:nvPr/>
+        </p:nvSpPr>
+        <p:spPr>
+          <a:xfrm>
+            <a:off x="1742441" y="5329747"/>
+            <a:ext cx="2495550" cy="124474"/>
+          </a:xfrm>
+          <a:prstGeom prst="rect">
+            <a:avLst/>
+          </a:prstGeom>
+          <a:noFill/>
+        </p:spPr>
+        <p:style>
+          <a:lnRef idx="2">
+            <a:schemeClr val="accent2"/>
+          </a:lnRef>
+          <a:fillRef idx="1">
+            <a:schemeClr val="lt1"/>
+          </a:fillRef>
+          <a:effectRef idx="0">
+            <a:schemeClr val="accent2"/>
+          </a:effectRef>
+          <a:fontRef idx="minor">
+            <a:schemeClr val="dk1"/>
+          </a:fontRef>
+        </p:style>
+        <p:txBody>
+          <a:bodyPr rtlCol="0" anchor="ctr"/>
+          <a:lstStyle/>
+          <a:p>
+            <a:pPr algn="ctr"/>
+            <a:endParaRPr lang="cs-CZ"/>
+          </a:p>
+        </p:txBody>
+      </p:sp>
+      <p:cxnSp>
+        <p:nvCxnSpPr>
+          <p:cNvPr id="16" name="Straight Connector 15">
+            <a:extLst>
+              <a:ext uri="{FF2B5EF4-FFF2-40B4-BE49-F238E27FC236}">
+                <a16:creationId xmlns:a16="http://schemas.microsoft.com/office/drawing/2014/main" id="{0CF57DA9-1D63-41D3-9810-C142EF4CD4B1}"/>
+              </a:ext>
+            </a:extLst>
+          </p:cNvPr>
+          <p:cNvCxnSpPr/>
+          <p:nvPr/>
+        </p:nvCxnSpPr>
+        <p:spPr>
+          <a:xfrm>
+            <a:off x="4237991" y="5391984"/>
+            <a:ext cx="2805113" cy="0"/>
+          </a:xfrm>
+          <a:prstGeom prst="line">
+            <a:avLst/>
+          </a:prstGeom>
+        </p:spPr>
+        <p:style>
+          <a:lnRef idx="1">
+            <a:schemeClr val="accent2"/>
+          </a:lnRef>
+          <a:fillRef idx="0">
+            <a:schemeClr val="accent2"/>
+          </a:fillRef>
+          <a:effectRef idx="0">
+            <a:schemeClr val="accent2"/>
+          </a:effectRef>
+          <a:fontRef idx="minor">
+            <a:schemeClr val="tx1"/>
+          </a:fontRef>
+        </p:style>
+      </p:cxnSp>
+      <p:sp>
+        <p:nvSpPr>
+          <p:cNvPr id="17" name="TextBox 16">
+            <a:extLst>
+              <a:ext uri="{FF2B5EF4-FFF2-40B4-BE49-F238E27FC236}">
+                <a16:creationId xmlns:a16="http://schemas.microsoft.com/office/drawing/2014/main" id="{0D06D68D-E574-4464-988A-22D93F8434C8}"/>
+              </a:ext>
+            </a:extLst>
+          </p:cNvPr>
+          <p:cNvSpPr txBox="1"/>
+          <p:nvPr/>
+        </p:nvSpPr>
+        <p:spPr>
+          <a:xfrm>
+            <a:off x="10128249" y="2547887"/>
+            <a:ext cx="3037629" cy="261610"/>
+          </a:xfrm>
+          <a:prstGeom prst="rect">
+            <a:avLst/>
+          </a:prstGeom>
+          <a:noFill/>
+        </p:spPr>
+        <p:txBody>
+          <a:bodyPr wrap="square" rtlCol="0">
+            <a:spAutoFit/>
+          </a:bodyPr>
+          <a:lstStyle/>
+          <a:p>
+            <a:r>
+              <a:rPr lang="cs-CZ" sz="1100" dirty="0">
+                <a:solidFill>
+                  <a:schemeClr val="tx1">
+                    <a:lumMod val="50000"/>
+                  </a:schemeClr>
+                </a:solidFill>
+                <a:latin typeface="Bahnschrift Light" panose="020B0502040204020203" pitchFamily="34" charset="0"/>
+              </a:rPr>
+              <a:t>Výpis dialogu</a:t>
+            </a:r>
+          </a:p>
+        </p:txBody>
+      </p:sp>
+      <p:sp>
+        <p:nvSpPr>
+          <p:cNvPr id="22" name="TextBox 21">
+            <a:extLst>
+              <a:ext uri="{FF2B5EF4-FFF2-40B4-BE49-F238E27FC236}">
+                <a16:creationId xmlns:a16="http://schemas.microsoft.com/office/drawing/2014/main" id="{0C25A58E-B7F7-42BF-9F94-5AD32C2C2182}"/>
+              </a:ext>
+            </a:extLst>
+          </p:cNvPr>
+          <p:cNvSpPr txBox="1"/>
+          <p:nvPr/>
+        </p:nvSpPr>
+        <p:spPr>
+          <a:xfrm>
+            <a:off x="4388187" y="5154632"/>
+            <a:ext cx="2654917" cy="261610"/>
+          </a:xfrm>
+          <a:prstGeom prst="rect">
+            <a:avLst/>
+          </a:prstGeom>
+          <a:noFill/>
+        </p:spPr>
+        <p:txBody>
+          <a:bodyPr wrap="square" rtlCol="0">
+            <a:spAutoFit/>
+          </a:bodyPr>
+          <a:lstStyle/>
+          <a:p>
+            <a:pPr algn="r"/>
+            <a:r>
+              <a:rPr lang="cs-CZ" sz="1100" dirty="0">
+                <a:solidFill>
+                  <a:schemeClr val="tx1">
+                    <a:lumMod val="50000"/>
+                  </a:schemeClr>
+                </a:solidFill>
+                <a:latin typeface="Bahnschrift Light" panose="020B0502040204020203" pitchFamily="34" charset="0"/>
+              </a:rPr>
+              <a:t>ID Této buňky (NODE)</a:t>
+            </a:r>
+          </a:p>
+        </p:txBody>
+      </p:sp>
+      <p:sp>
+        <p:nvSpPr>
+          <p:cNvPr id="33" name="Rectangle 32">
+            <a:extLst>
+              <a:ext uri="{FF2B5EF4-FFF2-40B4-BE49-F238E27FC236}">
+                <a16:creationId xmlns:a16="http://schemas.microsoft.com/office/drawing/2014/main" id="{8AC89E07-490E-44C4-A415-B5AE64A055C2}"/>
+              </a:ext>
+            </a:extLst>
+          </p:cNvPr>
+          <p:cNvSpPr/>
+          <p:nvPr/>
+        </p:nvSpPr>
+        <p:spPr>
+          <a:xfrm>
+            <a:off x="1875790" y="4025368"/>
+            <a:ext cx="2086194" cy="1120139"/>
+          </a:xfrm>
+          <a:prstGeom prst="rect">
+            <a:avLst/>
+          </a:prstGeom>
+          <a:noFill/>
+          <a:ln>
+            <a:solidFill>
+              <a:schemeClr val="accent6">
+                <a:lumMod val="75000"/>
+              </a:schemeClr>
+            </a:solidFill>
+          </a:ln>
+        </p:spPr>
+        <p:style>
+          <a:lnRef idx="2">
+            <a:schemeClr val="accent2"/>
+          </a:lnRef>
+          <a:fillRef idx="1">
+            <a:schemeClr val="lt1"/>
+          </a:fillRef>
+          <a:effectRef idx="0">
+            <a:schemeClr val="accent2"/>
+          </a:effectRef>
+          <a:fontRef idx="minor">
+            <a:schemeClr val="dk1"/>
+          </a:fontRef>
+        </p:style>
+        <p:txBody>
+          <a:bodyPr rtlCol="0" anchor="ctr"/>
+          <a:lstStyle/>
+          <a:p>
+            <a:pPr algn="ctr"/>
+            <a:endParaRPr lang="cs-CZ"/>
+          </a:p>
+        </p:txBody>
+      </p:sp>
+      <p:sp>
+        <p:nvSpPr>
+          <p:cNvPr id="34" name="TextBox 33">
+            <a:extLst>
+              <a:ext uri="{FF2B5EF4-FFF2-40B4-BE49-F238E27FC236}">
+                <a16:creationId xmlns:a16="http://schemas.microsoft.com/office/drawing/2014/main" id="{6A17809B-F99F-4117-9234-2C6141731781}"/>
+              </a:ext>
+            </a:extLst>
+          </p:cNvPr>
+          <p:cNvSpPr txBox="1"/>
+          <p:nvPr/>
+        </p:nvSpPr>
+        <p:spPr>
+          <a:xfrm>
+            <a:off x="298253" y="3177655"/>
+            <a:ext cx="3170977" cy="430887"/>
+          </a:xfrm>
+          <a:prstGeom prst="rect">
+            <a:avLst/>
+          </a:prstGeom>
+          <a:noFill/>
+        </p:spPr>
+        <p:txBody>
+          <a:bodyPr wrap="square" rtlCol="0">
+            <a:spAutoFit/>
+          </a:bodyPr>
+          <a:lstStyle/>
+          <a:p>
+            <a:r>
+              <a:rPr lang="cs-CZ" sz="1100" dirty="0">
+                <a:solidFill>
+                  <a:schemeClr val="tx1">
+                    <a:lumMod val="50000"/>
+                  </a:schemeClr>
+                </a:solidFill>
+                <a:latin typeface="Bahnschrift Light" panose="020B0502040204020203" pitchFamily="34" charset="0"/>
+              </a:rPr>
+              <a:t>Možné Příkazy</a:t>
+            </a:r>
+          </a:p>
+          <a:p>
+            <a:r>
+              <a:rPr lang="cs-CZ" sz="1100" dirty="0">
+                <a:solidFill>
+                  <a:schemeClr val="tx1">
+                    <a:lumMod val="50000"/>
+                  </a:schemeClr>
+                </a:solidFill>
+                <a:latin typeface="Bahnschrift Light" panose="020B0502040204020203" pitchFamily="34" charset="0"/>
+              </a:rPr>
+              <a:t> + Podmínky</a:t>
+            </a:r>
+          </a:p>
+        </p:txBody>
+      </p:sp>
+      <p:sp>
+        <p:nvSpPr>
+          <p:cNvPr id="35" name="TextBox 34">
+            <a:extLst>
+              <a:ext uri="{FF2B5EF4-FFF2-40B4-BE49-F238E27FC236}">
+                <a16:creationId xmlns:a16="http://schemas.microsoft.com/office/drawing/2014/main" id="{585CC71B-BAD6-405E-A61C-7726F9D1EF3B}"/>
+              </a:ext>
+            </a:extLst>
+          </p:cNvPr>
+          <p:cNvSpPr txBox="1"/>
+          <p:nvPr/>
+        </p:nvSpPr>
+        <p:spPr>
+          <a:xfrm>
+            <a:off x="290301" y="4310522"/>
+            <a:ext cx="3170977" cy="261610"/>
+          </a:xfrm>
+          <a:prstGeom prst="rect">
+            <a:avLst/>
+          </a:prstGeom>
+          <a:noFill/>
+        </p:spPr>
+        <p:txBody>
+          <a:bodyPr wrap="square" rtlCol="0">
+            <a:spAutoFit/>
+          </a:bodyPr>
+          <a:lstStyle/>
+          <a:p>
+            <a:r>
+              <a:rPr lang="cs-CZ" sz="1100" dirty="0">
+                <a:solidFill>
+                  <a:schemeClr val="tx1">
+                    <a:lumMod val="50000"/>
+                  </a:schemeClr>
+                </a:solidFill>
+                <a:latin typeface="Bahnschrift Light" panose="020B0502040204020203" pitchFamily="34" charset="0"/>
+              </a:rPr>
+              <a:t>Příběhové Možnosti</a:t>
+            </a:r>
+          </a:p>
+        </p:txBody>
+      </p:sp>
+      <p:sp>
+        <p:nvSpPr>
+          <p:cNvPr id="36" name="Title 1">
+            <a:extLst>
+              <a:ext uri="{FF2B5EF4-FFF2-40B4-BE49-F238E27FC236}">
+                <a16:creationId xmlns:a16="http://schemas.microsoft.com/office/drawing/2014/main" id="{B557B4F8-48AD-43BA-8526-798788B320B0}"/>
+              </a:ext>
+            </a:extLst>
+          </p:cNvPr>
+          <p:cNvSpPr txBox="1">
+            <a:spLocks/>
+          </p:cNvSpPr>
+          <p:nvPr/>
+        </p:nvSpPr>
+        <p:spPr>
+          <a:xfrm>
+            <a:off x="3217068" y="1256665"/>
+            <a:ext cx="5757860" cy="256245"/>
+          </a:xfrm>
+          <a:prstGeom prst="rect">
+            <a:avLst/>
+          </a:prstGeom>
+        </p:spPr>
+        <p:txBody>
+          <a:bodyPr vert="horz" lIns="91440" tIns="45720" rIns="91440" bIns="45720" rtlCol="0" anchor="b">
+            <a:normAutofit/>
+          </a:bodyPr>
+          <a:lstStyle>
+            <a:lvl1pPr algn="ctr" defTabSz="914400" rtl="0" eaLnBrk="1" latinLnBrk="0" hangingPunct="1">
+              <a:lnSpc>
+                <a:spcPct val="90000"/>
+              </a:lnSpc>
+              <a:spcBef>
+                <a:spcPct val="0"/>
+              </a:spcBef>
+              <a:buNone/>
+              <a:defRPr sz="6000" kern="1200">
+                <a:solidFill>
+                  <a:schemeClr val="tx1"/>
+                </a:solidFill>
+                <a:latin typeface="+mj-lt"/>
+                <a:ea typeface="+mj-ea"/>
+                <a:cs typeface="+mj-cs"/>
+              </a:defRPr>
+            </a:lvl1pPr>
+          </a:lstStyle>
+          <a:p>
+            <a:r>
+              <a:rPr lang="cs-CZ" sz="1200" i="1" dirty="0">
+                <a:solidFill>
+                  <a:schemeClr val="tx1">
+                    <a:lumMod val="50000"/>
+                  </a:schemeClr>
+                </a:solidFill>
+                <a:latin typeface="Bahnschrift Light" panose="020B0502040204020203" pitchFamily="34" charset="0"/>
+              </a:rPr>
+              <a:t>STRUČNÝ POPIS JEDNÉ BUŇKY Z ARRAY DIALOG.nodes</a:t>
+            </a:r>
+          </a:p>
+        </p:txBody>
+      </p:sp>
+    </p:spTree>
+    <p:extLst>
+      <p:ext uri="{BB962C8B-B14F-4D97-AF65-F5344CB8AC3E}">
+        <p14:creationId xmlns:p14="http://schemas.microsoft.com/office/powerpoint/2010/main" val="2597039042"/>
+      </p:ext>
+    </p:extLst>
+  </p:cSld>
+  <p:clrMapOvr>
+    <a:masterClrMapping/>
+  </p:clrMapOvr>
+  <mc:AlternateContent xmlns:mc="http://schemas.openxmlformats.org/markup-compatibility/2006" xmlns:p14="http://schemas.microsoft.com/office/powerpoint/2010/main">
+    <mc:Choice Requires="p14">
+      <p:transition spd="med" p14:dur="700">
+        <p:fade/>
+      </p:transition>
+    </mc:Choice>
+    <mc:Fallback xmlns="">
+      <p:transition spd="med">
+        <p:fade/>
+      </p:transition>
+    </mc:Fallback>
+  </mc:AlternateContent>
+</p:sld>
+</file>
+
+<file path=ppt/slides/slide7.xml><?xml version="1.0" encoding="utf-8"?>
+<p:sld xmlns:a="http://schemas.openxmlformats.org/drawingml/2006/main" xmlns:r="http://schemas.openxmlformats.org/officeDocument/2006/relationships" xmlns:p="http://schemas.openxmlformats.org/presentationml/2006/main">
+  <p:cSld>
+    <p:spTree>
+      <p:nvGrpSpPr>
+        <p:cNvPr id="1" name=""/>
+        <p:cNvGrpSpPr/>
+        <p:nvPr/>
+      </p:nvGrpSpPr>
+      <p:grpSpPr>
+        <a:xfrm>
+          <a:off x="0" y="0"/>
+          <a:ext cx="0" cy="0"/>
+          <a:chOff x="0" y="0"/>
+          <a:chExt cx="0" cy="0"/>
+        </a:xfrm>
+      </p:grpSpPr>
+      <p:cxnSp>
+        <p:nvCxnSpPr>
+          <p:cNvPr id="5" name="Straight Connector 4">
+            <a:extLst>
+              <a:ext uri="{FF2B5EF4-FFF2-40B4-BE49-F238E27FC236}">
+                <a16:creationId xmlns:a16="http://schemas.microsoft.com/office/drawing/2014/main" id="{8F628167-57C1-4305-BAE2-B4395BE7D706}"/>
+              </a:ext>
+            </a:extLst>
+          </p:cNvPr>
+          <p:cNvCxnSpPr>
+            <a:cxnSpLocks/>
+          </p:cNvCxnSpPr>
+          <p:nvPr/>
+        </p:nvCxnSpPr>
+        <p:spPr>
+          <a:xfrm>
+            <a:off x="3217068" y="1160463"/>
+            <a:ext cx="5757861" cy="0"/>
+          </a:xfrm>
+          <a:prstGeom prst="line">
+            <a:avLst/>
+          </a:prstGeom>
+        </p:spPr>
+        <p:style>
+          <a:lnRef idx="1">
+            <a:schemeClr val="accent3"/>
+          </a:lnRef>
+          <a:fillRef idx="0">
+            <a:schemeClr val="accent3"/>
+          </a:fillRef>
+          <a:effectRef idx="0">
+            <a:schemeClr val="accent3"/>
+          </a:effectRef>
+          <a:fontRef idx="minor">
+            <a:schemeClr val="tx1"/>
+          </a:fontRef>
+        </p:style>
+      </p:cxnSp>
+      <p:sp>
+        <p:nvSpPr>
+          <p:cNvPr id="6" name="Title 1">
+            <a:extLst>
+              <a:ext uri="{FF2B5EF4-FFF2-40B4-BE49-F238E27FC236}">
+                <a16:creationId xmlns:a16="http://schemas.microsoft.com/office/drawing/2014/main" id="{EC614B7E-32BB-41B8-ADA7-24735C613AC9}"/>
+              </a:ext>
+            </a:extLst>
+          </p:cNvPr>
+          <p:cNvSpPr txBox="1">
+            <a:spLocks/>
+          </p:cNvSpPr>
+          <p:nvPr/>
+        </p:nvSpPr>
+        <p:spPr>
+          <a:xfrm>
+            <a:off x="1524000" y="501651"/>
+            <a:ext cx="9144000" cy="592137"/>
+          </a:xfrm>
+          <a:prstGeom prst="rect">
+            <a:avLst/>
+          </a:prstGeom>
+        </p:spPr>
+        <p:txBody>
+          <a:bodyPr vert="horz" lIns="91440" tIns="45720" rIns="91440" bIns="45720" rtlCol="0" anchor="b">
+            <a:normAutofit/>
+          </a:bodyPr>
+          <a:lstStyle>
+            <a:lvl1pPr algn="ctr" defTabSz="914400" rtl="0" eaLnBrk="1" latinLnBrk="0" hangingPunct="1">
+              <a:lnSpc>
+                <a:spcPct val="90000"/>
+              </a:lnSpc>
+              <a:spcBef>
+                <a:spcPct val="0"/>
+              </a:spcBef>
+              <a:buNone/>
+              <a:defRPr sz="6000" kern="1200">
+                <a:solidFill>
+                  <a:schemeClr val="tx1"/>
+                </a:solidFill>
+                <a:latin typeface="+mj-lt"/>
+                <a:ea typeface="+mj-ea"/>
+                <a:cs typeface="+mj-cs"/>
+              </a:defRPr>
+            </a:lvl1pPr>
+          </a:lstStyle>
+          <a:p>
+            <a:r>
+              <a:rPr lang="cs-CZ" sz="3200" dirty="0">
+                <a:latin typeface="Bahnschrift Light" panose="020B0502040204020203" pitchFamily="34" charset="0"/>
+              </a:rPr>
+              <a:t>POPIS </a:t>
+            </a:r>
+            <a:r>
+              <a:rPr lang="cs-CZ" sz="3200" dirty="0">
+                <a:solidFill>
+                  <a:schemeClr val="tx1">
+                    <a:lumMod val="50000"/>
+                  </a:schemeClr>
+                </a:solidFill>
+                <a:latin typeface="Bahnschrift Light" panose="020B0502040204020203" pitchFamily="34" charset="0"/>
+              </a:rPr>
+              <a:t>UKLÁDÁNÍ</a:t>
+            </a:r>
+          </a:p>
+        </p:txBody>
+      </p:sp>
+      <p:sp>
+        <p:nvSpPr>
+          <p:cNvPr id="18" name="Subtitle 6">
+            <a:extLst>
+              <a:ext uri="{FF2B5EF4-FFF2-40B4-BE49-F238E27FC236}">
+                <a16:creationId xmlns:a16="http://schemas.microsoft.com/office/drawing/2014/main" id="{43A7395F-9664-4A9E-BC72-2B95B9BF0096}"/>
+              </a:ext>
+            </a:extLst>
+          </p:cNvPr>
+          <p:cNvSpPr txBox="1">
+            <a:spLocks/>
+          </p:cNvSpPr>
+          <p:nvPr/>
+        </p:nvSpPr>
+        <p:spPr>
+          <a:xfrm>
+            <a:off x="338139" y="1492251"/>
+            <a:ext cx="8636790" cy="5046860"/>
+          </a:xfrm>
+          <a:prstGeom prst="rect">
+            <a:avLst/>
+          </a:prstGeom>
+        </p:spPr>
+        <p:txBody>
+          <a:bodyPr vert="horz" lIns="91440" tIns="45720" rIns="91440" bIns="45720" rtlCol="0">
+            <a:normAutofit/>
+          </a:bodyPr>
+          <a:lstStyle>
+            <a:lvl1pPr marL="228600" indent="-228600" algn="l" defTabSz="914400" rtl="0" eaLnBrk="1" latinLnBrk="0" hangingPunct="1">
+              <a:lnSpc>
+                <a:spcPct val="90000"/>
+              </a:lnSpc>
+              <a:spcBef>
+                <a:spcPts val="1000"/>
+              </a:spcBef>
+              <a:buFont typeface="Arial" panose="020B0604020202020204" pitchFamily="34" charset="0"/>
+              <a:buChar char="•"/>
+              <a:defRPr sz="2800" kern="1200">
+                <a:solidFill>
+                  <a:schemeClr val="tx1"/>
+                </a:solidFill>
+                <a:latin typeface="+mn-lt"/>
+                <a:ea typeface="+mn-ea"/>
+                <a:cs typeface="+mn-cs"/>
+              </a:defRPr>
+            </a:lvl1pPr>
+            <a:lvl2pPr marL="685800" indent="-228600" algn="l" defTabSz="914400" rtl="0" eaLnBrk="1" latinLnBrk="0" hangingPunct="1">
+              <a:lnSpc>
+                <a:spcPct val="90000"/>
+              </a:lnSpc>
+              <a:spcBef>
+                <a:spcPts val="500"/>
+              </a:spcBef>
+              <a:buFont typeface="Arial" panose="020B0604020202020204" pitchFamily="34" charset="0"/>
+              <a:buChar char="•"/>
+              <a:defRPr sz="2400" kern="1200">
+                <a:solidFill>
+                  <a:schemeClr val="tx1"/>
+                </a:solidFill>
+                <a:latin typeface="+mn-lt"/>
+                <a:ea typeface="+mn-ea"/>
+                <a:cs typeface="+mn-cs"/>
+              </a:defRPr>
+            </a:lvl2pPr>
+            <a:lvl3pPr marL="1143000" indent="-228600" algn="l" defTabSz="914400" rtl="0" eaLnBrk="1" latinLnBrk="0" hangingPunct="1">
+              <a:lnSpc>
+                <a:spcPct val="90000"/>
+              </a:lnSpc>
+              <a:spcBef>
+                <a:spcPts val="500"/>
+              </a:spcBef>
+              <a:buFont typeface="Arial" panose="020B0604020202020204" pitchFamily="34" charset="0"/>
+              <a:buChar char="•"/>
+              <a:defRPr sz="2000" kern="1200">
+                <a:solidFill>
+                  <a:schemeClr val="tx1"/>
+                </a:solidFill>
+                <a:latin typeface="+mn-lt"/>
+                <a:ea typeface="+mn-ea"/>
+                <a:cs typeface="+mn-cs"/>
+              </a:defRPr>
+            </a:lvl3pPr>
+            <a:lvl4pPr marL="1600200" indent="-228600" algn="l" defTabSz="914400" rtl="0" eaLnBrk="1" latinLnBrk="0" hangingPunct="1">
+              <a:lnSpc>
+                <a:spcPct val="90000"/>
+              </a:lnSpc>
+              <a:spcBef>
+                <a:spcPts val="500"/>
+              </a:spcBef>
+              <a:buFont typeface="Arial" panose="020B0604020202020204" pitchFamily="34" charset="0"/>
+              <a:buChar char="•"/>
+              <a:defRPr sz="1800" kern="1200">
+                <a:solidFill>
+                  <a:schemeClr val="tx1"/>
+                </a:solidFill>
+                <a:latin typeface="+mn-lt"/>
+                <a:ea typeface="+mn-ea"/>
+                <a:cs typeface="+mn-cs"/>
+              </a:defRPr>
+            </a:lvl4pPr>
+            <a:lvl5pPr marL="2057400" indent="-228600" algn="l" defTabSz="914400" rtl="0" eaLnBrk="1" latinLnBrk="0" hangingPunct="1">
+              <a:lnSpc>
+                <a:spcPct val="90000"/>
+              </a:lnSpc>
+              <a:spcBef>
+                <a:spcPts val="500"/>
+              </a:spcBef>
+              <a:buFont typeface="Arial" panose="020B0604020202020204" pitchFamily="34" charset="0"/>
+              <a:buChar char="•"/>
+              <a:defRPr sz="1800" kern="1200">
+                <a:solidFill>
+                  <a:schemeClr val="tx1"/>
+                </a:solidFill>
+                <a:latin typeface="+mn-lt"/>
+                <a:ea typeface="+mn-ea"/>
+                <a:cs typeface="+mn-cs"/>
+              </a:defRPr>
+            </a:lvl5pPr>
+            <a:lvl6pPr marL="2514600" indent="-228600" algn="l" defTabSz="914400" rtl="0" eaLnBrk="1" latinLnBrk="0" hangingPunct="1">
+              <a:lnSpc>
+                <a:spcPct val="90000"/>
+              </a:lnSpc>
+              <a:spcBef>
+                <a:spcPts val="500"/>
+              </a:spcBef>
+              <a:buFont typeface="Arial" panose="020B0604020202020204" pitchFamily="34" charset="0"/>
+              <a:buChar char="•"/>
+              <a:defRPr sz="1800" kern="1200">
+                <a:solidFill>
+                  <a:schemeClr val="tx1"/>
+                </a:solidFill>
+                <a:latin typeface="+mn-lt"/>
+                <a:ea typeface="+mn-ea"/>
+                <a:cs typeface="+mn-cs"/>
+              </a:defRPr>
+            </a:lvl6pPr>
+            <a:lvl7pPr marL="2971800" indent="-228600" algn="l" defTabSz="914400" rtl="0" eaLnBrk="1" latinLnBrk="0" hangingPunct="1">
+              <a:lnSpc>
+                <a:spcPct val="90000"/>
+              </a:lnSpc>
+              <a:spcBef>
+                <a:spcPts val="500"/>
+              </a:spcBef>
+              <a:buFont typeface="Arial" panose="020B0604020202020204" pitchFamily="34" charset="0"/>
+              <a:buChar char="•"/>
+              <a:defRPr sz="1800" kern="1200">
+                <a:solidFill>
+                  <a:schemeClr val="tx1"/>
+                </a:solidFill>
+                <a:latin typeface="+mn-lt"/>
+                <a:ea typeface="+mn-ea"/>
+                <a:cs typeface="+mn-cs"/>
+              </a:defRPr>
+            </a:lvl7pPr>
+            <a:lvl8pPr marL="3429000" indent="-228600" algn="l" defTabSz="914400" rtl="0" eaLnBrk="1" latinLnBrk="0" hangingPunct="1">
+              <a:lnSpc>
+                <a:spcPct val="90000"/>
+              </a:lnSpc>
+              <a:spcBef>
+                <a:spcPts val="500"/>
+              </a:spcBef>
+              <a:buFont typeface="Arial" panose="020B0604020202020204" pitchFamily="34" charset="0"/>
+              <a:buChar char="•"/>
+              <a:defRPr sz="1800" kern="1200">
+                <a:solidFill>
+                  <a:schemeClr val="tx1"/>
+                </a:solidFill>
+                <a:latin typeface="+mn-lt"/>
+                <a:ea typeface="+mn-ea"/>
+                <a:cs typeface="+mn-cs"/>
+              </a:defRPr>
+            </a:lvl8pPr>
+            <a:lvl9pPr marL="3886200" indent="-228600" algn="l" defTabSz="914400" rtl="0" eaLnBrk="1" latinLnBrk="0" hangingPunct="1">
+              <a:lnSpc>
+                <a:spcPct val="90000"/>
+              </a:lnSpc>
+              <a:spcBef>
+                <a:spcPts val="500"/>
+              </a:spcBef>
+              <a:buFont typeface="Arial" panose="020B0604020202020204" pitchFamily="34" charset="0"/>
+              <a:buChar char="•"/>
+              <a:defRPr sz="1800" kern="1200">
+                <a:solidFill>
+                  <a:schemeClr val="tx1"/>
+                </a:solidFill>
+                <a:latin typeface="+mn-lt"/>
+                <a:ea typeface="+mn-ea"/>
+                <a:cs typeface="+mn-cs"/>
+              </a:defRPr>
+            </a:lvl9pPr>
+          </a:lstStyle>
+          <a:p>
+            <a:pPr marL="0" indent="0">
+              <a:buNone/>
+            </a:pPr>
+            <a:r>
+              <a:rPr lang="cs-CZ" sz="1600" dirty="0">
+                <a:latin typeface="Bahnschrift" panose="020B0502040204020203" pitchFamily="34" charset="0"/>
+              </a:rPr>
+              <a:t>Aplikace PRŮBĚŽNĚ ukládá data o průběhu příběhu, datech příběhu a tzv. TOKENŮ do souboru </a:t>
+            </a:r>
+            <a:r>
+              <a:rPr lang="cs-CZ" sz="1600" b="1" dirty="0">
+                <a:latin typeface="Bahnschrift" panose="020B0502040204020203" pitchFamily="34" charset="0"/>
+              </a:rPr>
+              <a:t>USERDATA.sav</a:t>
+            </a:r>
+          </a:p>
+          <a:p>
+            <a:pPr marL="0" indent="0">
+              <a:buNone/>
+            </a:pPr>
+            <a:r>
+              <a:rPr lang="cs-CZ" sz="1600" b="1" dirty="0">
+                <a:latin typeface="Bahnschrift" panose="020B0502040204020203" pitchFamily="34" charset="0"/>
+              </a:rPr>
+              <a:t>TOKENY</a:t>
+            </a:r>
+            <a:r>
+              <a:rPr lang="cs-CZ" sz="1600" dirty="0">
+                <a:latin typeface="Bahnschrift" panose="020B0502040204020203" pitchFamily="34" charset="0"/>
+              </a:rPr>
+              <a:t> jsou nezávyslá data které příběh může uložit a načíst, třeba k odemknutí možnosti v dialogu etc.</a:t>
+            </a:r>
+          </a:p>
+          <a:p>
+            <a:pPr marL="0" indent="0">
+              <a:buNone/>
+            </a:pPr>
+            <a:endParaRPr lang="cs-CZ" sz="1600" dirty="0">
+              <a:latin typeface="Bahnschrift" panose="020B0502040204020203" pitchFamily="34" charset="0"/>
+            </a:endParaRPr>
+          </a:p>
+          <a:p>
+            <a:pPr marL="0" indent="0">
+              <a:buNone/>
+            </a:pPr>
+            <a:endParaRPr lang="cs-CZ" sz="1600" dirty="0">
+              <a:latin typeface="Bahnschrift" panose="020B0502040204020203" pitchFamily="34" charset="0"/>
+            </a:endParaRPr>
+          </a:p>
+          <a:p>
+            <a:pPr marL="0" indent="0">
+              <a:buNone/>
+            </a:pPr>
+            <a:endParaRPr lang="cs-CZ" sz="1600" dirty="0">
+              <a:latin typeface="Bahnschrift" panose="020B0502040204020203" pitchFamily="34" charset="0"/>
+            </a:endParaRPr>
+          </a:p>
+          <a:p>
+            <a:pPr marL="0" indent="0">
+              <a:buNone/>
+            </a:pPr>
+            <a:endParaRPr lang="cs-CZ" sz="1600" dirty="0">
+              <a:latin typeface="Bahnschrift" panose="020B0502040204020203" pitchFamily="34" charset="0"/>
+            </a:endParaRPr>
+          </a:p>
+          <a:p>
+            <a:pPr marL="0" indent="0">
+              <a:buNone/>
+            </a:pPr>
+            <a:r>
+              <a:rPr lang="cs-CZ" sz="600" dirty="0">
+                <a:latin typeface="Bahnschrift" panose="020B0502040204020203" pitchFamily="34" charset="0"/>
+              </a:rPr>
+              <a:t> </a:t>
+            </a:r>
+            <a:endParaRPr lang="cs-CZ" sz="1600" dirty="0">
+              <a:latin typeface="Bahnschrift" panose="020B0502040204020203" pitchFamily="34" charset="0"/>
+            </a:endParaRPr>
+          </a:p>
+          <a:p>
+            <a:pPr marL="0" indent="0">
+              <a:buNone/>
+            </a:pPr>
+            <a:r>
+              <a:rPr lang="cs-CZ" sz="1100" i="1" dirty="0">
+                <a:solidFill>
+                  <a:schemeClr val="tx1">
+                    <a:lumMod val="75000"/>
+                  </a:schemeClr>
+                </a:solidFill>
+                <a:latin typeface="Bahnschrift" panose="020B0502040204020203" pitchFamily="34" charset="0"/>
+              </a:rPr>
+              <a:t>Ukázka obsahu USERDATA.sav</a:t>
+            </a:r>
+          </a:p>
+          <a:p>
+            <a:pPr marL="0" indent="0">
+              <a:buNone/>
+            </a:pPr>
+            <a:endParaRPr lang="cs-CZ" sz="2000" i="1" dirty="0">
+              <a:latin typeface="Bahnschrift" panose="020B0502040204020203" pitchFamily="34" charset="0"/>
+            </a:endParaRPr>
+          </a:p>
+        </p:txBody>
+      </p:sp>
+      <p:sp>
+        <p:nvSpPr>
+          <p:cNvPr id="19" name="Title 1">
+            <a:extLst>
+              <a:ext uri="{FF2B5EF4-FFF2-40B4-BE49-F238E27FC236}">
+                <a16:creationId xmlns:a16="http://schemas.microsoft.com/office/drawing/2014/main" id="{154CDD36-FBAD-4702-B92C-E2B05372F374}"/>
+              </a:ext>
+            </a:extLst>
+          </p:cNvPr>
+          <p:cNvSpPr txBox="1">
+            <a:spLocks/>
+          </p:cNvSpPr>
+          <p:nvPr/>
+        </p:nvSpPr>
+        <p:spPr>
+          <a:xfrm>
+            <a:off x="161925" y="103188"/>
+            <a:ext cx="10506075" cy="398463"/>
+          </a:xfrm>
+          <a:prstGeom prst="rect">
+            <a:avLst/>
+          </a:prstGeom>
+        </p:spPr>
+        <p:txBody>
+          <a:bodyPr vert="horz" lIns="91440" tIns="45720" rIns="91440" bIns="45720" rtlCol="0" anchor="b">
+            <a:normAutofit/>
+          </a:bodyPr>
+          <a:lstStyle>
+            <a:lvl1pPr algn="ctr" defTabSz="914400" rtl="0" eaLnBrk="1" latinLnBrk="0" hangingPunct="1">
+              <a:lnSpc>
+                <a:spcPct val="90000"/>
+              </a:lnSpc>
+              <a:spcBef>
+                <a:spcPct val="0"/>
+              </a:spcBef>
+              <a:buNone/>
+              <a:defRPr sz="6000" kern="1200">
+                <a:solidFill>
+                  <a:schemeClr val="tx1"/>
+                </a:solidFill>
+                <a:latin typeface="+mj-lt"/>
+                <a:ea typeface="+mj-ea"/>
+                <a:cs typeface="+mj-cs"/>
+              </a:defRPr>
+            </a:lvl1pPr>
+          </a:lstStyle>
+          <a:p>
+            <a:pPr algn="l"/>
+            <a:r>
+              <a:rPr lang="cs-CZ" sz="1800" i="1" dirty="0">
+                <a:solidFill>
+                  <a:schemeClr val="tx1">
+                    <a:lumMod val="50000"/>
+                  </a:schemeClr>
+                </a:solidFill>
+                <a:latin typeface="Bahnschrift Light" panose="020B0502040204020203" pitchFamily="34" charset="0"/>
+              </a:rPr>
+              <a:t>TEXT BASED STORY ENGINE</a:t>
+            </a:r>
+          </a:p>
+        </p:txBody>
+      </p:sp>
+      <p:pic>
+        <p:nvPicPr>
+          <p:cNvPr id="3" name="Picture 2">
+            <a:extLst>
+              <a:ext uri="{FF2B5EF4-FFF2-40B4-BE49-F238E27FC236}">
+                <a16:creationId xmlns:a16="http://schemas.microsoft.com/office/drawing/2014/main" id="{CC7CEB71-159E-4093-9574-1C5BAF91A952}"/>
+              </a:ext>
+            </a:extLst>
+          </p:cNvPr>
+          <p:cNvPicPr>
+            <a:picLocks noChangeAspect="1"/>
+          </p:cNvPicPr>
+          <p:nvPr/>
+        </p:nvPicPr>
+        <p:blipFill>
+          <a:blip r:embed="rId2"/>
+          <a:stretch>
+            <a:fillRect/>
+          </a:stretch>
+        </p:blipFill>
+        <p:spPr>
+          <a:xfrm>
+            <a:off x="338139" y="4481711"/>
+            <a:ext cx="7953375" cy="2057400"/>
+          </a:xfrm>
+          <a:prstGeom prst="rect">
+            <a:avLst/>
+          </a:prstGeom>
+        </p:spPr>
+      </p:pic>
+    </p:spTree>
+    <p:extLst>
+      <p:ext uri="{BB962C8B-B14F-4D97-AF65-F5344CB8AC3E}">
+        <p14:creationId xmlns:p14="http://schemas.microsoft.com/office/powerpoint/2010/main" val="548855654"/>
+      </p:ext>
+    </p:extLst>
+  </p:cSld>
+  <p:clrMapOvr>
+    <a:masterClrMapping/>
+  </p:clrMapOvr>
+  <mc:AlternateContent xmlns:mc="http://schemas.openxmlformats.org/markup-compatibility/2006" xmlns:p14="http://schemas.microsoft.com/office/powerpoint/2010/main">
+    <mc:Choice Requires="p14">
+      <p:transition spd="med" p14:dur="700">
+        <p:fade/>
+      </p:transition>
+    </mc:Choice>
+    <mc:Fallback xmlns="">
+      <p:transition spd="med">
+        <p:fade/>
+      </p:transition>
+    </mc:Fallback>
+  </mc:AlternateContent>
+</p:sld>
+</file>
+
+<file path=ppt/slides/slide8.xml><?xml version="1.0" encoding="utf-8"?>
+<p:sld xmlns:a="http://schemas.openxmlformats.org/drawingml/2006/main" xmlns:r="http://schemas.openxmlformats.org/officeDocument/2006/relationships" xmlns:p="http://schemas.openxmlformats.org/presentationml/2006/main">
+  <p:cSld>
+    <p:spTree>
+      <p:nvGrpSpPr>
+        <p:cNvPr id="1" name=""/>
+        <p:cNvGrpSpPr/>
+        <p:nvPr/>
+      </p:nvGrpSpPr>
+      <p:grpSpPr>
+        <a:xfrm>
+          <a:off x="0" y="0"/>
+          <a:ext cx="0" cy="0"/>
+          <a:chOff x="0" y="0"/>
+          <a:chExt cx="0" cy="0"/>
+        </a:xfrm>
+      </p:grpSpPr>
+      <p:sp>
+        <p:nvSpPr>
+          <p:cNvPr id="2" name="Rectangle 1">
+            <a:extLst>
+              <a:ext uri="{FF2B5EF4-FFF2-40B4-BE49-F238E27FC236}">
+                <a16:creationId xmlns:a16="http://schemas.microsoft.com/office/drawing/2014/main" id="{44CA4398-A7C5-4A6C-9CE4-EF266A4DFA31}"/>
+              </a:ext>
+            </a:extLst>
+          </p:cNvPr>
+          <p:cNvSpPr/>
+          <p:nvPr/>
+        </p:nvSpPr>
+        <p:spPr>
+          <a:xfrm>
+            <a:off x="1990725" y="1160463"/>
+            <a:ext cx="8420100" cy="5430833"/>
+          </a:xfrm>
+          <a:prstGeom prst="rect">
+            <a:avLst/>
+          </a:prstGeom>
+          <a:solidFill>
+            <a:schemeClr val="tx1"/>
+          </a:solidFill>
+          <a:ln>
+            <a:solidFill>
+              <a:schemeClr val="bg1">
+                <a:lumMod val="75000"/>
+                <a:lumOff val="25000"/>
+              </a:schemeClr>
+            </a:solidFill>
+          </a:ln>
+        </p:spPr>
+        <p:style>
+          <a:lnRef idx="2">
+            <a:schemeClr val="accent1">
+              <a:shade val="50000"/>
+            </a:schemeClr>
+          </a:lnRef>
+          <a:fillRef idx="1">
+            <a:schemeClr val="accent1"/>
+          </a:fillRef>
+          <a:effectRef idx="0">
+            <a:schemeClr val="accent1"/>
+          </a:effectRef>
+          <a:fontRef idx="minor">
+            <a:schemeClr val="lt1"/>
+          </a:fontRef>
+        </p:style>
+        <p:txBody>
+          <a:bodyPr rtlCol="0" anchor="ctr"/>
+          <a:lstStyle/>
+          <a:p>
+            <a:pPr algn="ctr"/>
+            <a:endParaRPr lang="cs-CZ"/>
+          </a:p>
+        </p:txBody>
+      </p:sp>
+      <p:cxnSp>
+        <p:nvCxnSpPr>
+          <p:cNvPr id="5" name="Straight Connector 4">
+            <a:extLst>
+              <a:ext uri="{FF2B5EF4-FFF2-40B4-BE49-F238E27FC236}">
+                <a16:creationId xmlns:a16="http://schemas.microsoft.com/office/drawing/2014/main" id="{8F628167-57C1-4305-BAE2-B4395BE7D706}"/>
+              </a:ext>
+            </a:extLst>
+          </p:cNvPr>
+          <p:cNvCxnSpPr>
+            <a:cxnSpLocks/>
+          </p:cNvCxnSpPr>
+          <p:nvPr/>
+        </p:nvCxnSpPr>
+        <p:spPr>
+          <a:xfrm>
+            <a:off x="3217068" y="1160463"/>
+            <a:ext cx="5757861" cy="0"/>
+          </a:xfrm>
+          <a:prstGeom prst="line">
+            <a:avLst/>
+          </a:prstGeom>
+        </p:spPr>
+        <p:style>
+          <a:lnRef idx="1">
+            <a:schemeClr val="accent3"/>
+          </a:lnRef>
+          <a:fillRef idx="0">
+            <a:schemeClr val="accent3"/>
+          </a:fillRef>
+          <a:effectRef idx="0">
+            <a:schemeClr val="accent3"/>
+          </a:effectRef>
+          <a:fontRef idx="minor">
+            <a:schemeClr val="tx1"/>
+          </a:fontRef>
+        </p:style>
+      </p:cxnSp>
+      <p:sp>
+        <p:nvSpPr>
+          <p:cNvPr id="6" name="Title 1">
+            <a:extLst>
+              <a:ext uri="{FF2B5EF4-FFF2-40B4-BE49-F238E27FC236}">
+                <a16:creationId xmlns:a16="http://schemas.microsoft.com/office/drawing/2014/main" id="{EC614B7E-32BB-41B8-ADA7-24735C613AC9}"/>
+              </a:ext>
+            </a:extLst>
+          </p:cNvPr>
+          <p:cNvSpPr txBox="1">
+            <a:spLocks/>
+          </p:cNvSpPr>
+          <p:nvPr/>
+        </p:nvSpPr>
+        <p:spPr>
+          <a:xfrm>
+            <a:off x="1524000" y="501651"/>
+            <a:ext cx="9144000" cy="592137"/>
+          </a:xfrm>
+          <a:prstGeom prst="rect">
+            <a:avLst/>
+          </a:prstGeom>
+        </p:spPr>
+        <p:txBody>
+          <a:bodyPr vert="horz" lIns="91440" tIns="45720" rIns="91440" bIns="45720" rtlCol="0" anchor="b">
+            <a:normAutofit/>
+          </a:bodyPr>
+          <a:lstStyle>
+            <a:lvl1pPr algn="ctr" defTabSz="914400" rtl="0" eaLnBrk="1" latinLnBrk="0" hangingPunct="1">
+              <a:lnSpc>
+                <a:spcPct val="90000"/>
+              </a:lnSpc>
+              <a:spcBef>
+                <a:spcPct val="0"/>
+              </a:spcBef>
+              <a:buNone/>
+              <a:defRPr sz="6000" kern="1200">
+                <a:solidFill>
+                  <a:schemeClr val="tx1"/>
+                </a:solidFill>
+                <a:latin typeface="+mj-lt"/>
+                <a:ea typeface="+mj-ea"/>
+                <a:cs typeface="+mj-cs"/>
+              </a:defRPr>
+            </a:lvl1pPr>
+          </a:lstStyle>
+          <a:p>
+            <a:r>
+              <a:rPr lang="cs-CZ" sz="3200" dirty="0">
+                <a:latin typeface="Bahnschrift Light" panose="020B0502040204020203" pitchFamily="34" charset="0"/>
+              </a:rPr>
+              <a:t>POPIS </a:t>
+            </a:r>
+            <a:r>
+              <a:rPr lang="cs-CZ" sz="3200" dirty="0">
+                <a:solidFill>
+                  <a:schemeClr val="tx1">
+                    <a:lumMod val="50000"/>
+                  </a:schemeClr>
+                </a:solidFill>
+                <a:latin typeface="Bahnschrift Light" panose="020B0502040204020203" pitchFamily="34" charset="0"/>
+              </a:rPr>
+              <a:t>CLASS DIAGRAM</a:t>
+            </a:r>
+          </a:p>
+        </p:txBody>
+      </p:sp>
+      <p:sp>
+        <p:nvSpPr>
+          <p:cNvPr id="19" name="Title 1">
+            <a:extLst>
+              <a:ext uri="{FF2B5EF4-FFF2-40B4-BE49-F238E27FC236}">
+                <a16:creationId xmlns:a16="http://schemas.microsoft.com/office/drawing/2014/main" id="{154CDD36-FBAD-4702-B92C-E2B05372F374}"/>
+              </a:ext>
+            </a:extLst>
+          </p:cNvPr>
+          <p:cNvSpPr txBox="1">
+            <a:spLocks/>
+          </p:cNvSpPr>
+          <p:nvPr/>
+        </p:nvSpPr>
+        <p:spPr>
+          <a:xfrm>
+            <a:off x="161925" y="103188"/>
+            <a:ext cx="10506075" cy="398463"/>
+          </a:xfrm>
+          <a:prstGeom prst="rect">
+            <a:avLst/>
+          </a:prstGeom>
+        </p:spPr>
+        <p:txBody>
+          <a:bodyPr vert="horz" lIns="91440" tIns="45720" rIns="91440" bIns="45720" rtlCol="0" anchor="b">
+            <a:normAutofit/>
+          </a:bodyPr>
+          <a:lstStyle>
+            <a:lvl1pPr algn="ctr" defTabSz="914400" rtl="0" eaLnBrk="1" latinLnBrk="0" hangingPunct="1">
+              <a:lnSpc>
+                <a:spcPct val="90000"/>
+              </a:lnSpc>
+              <a:spcBef>
+                <a:spcPct val="0"/>
+              </a:spcBef>
+              <a:buNone/>
+              <a:defRPr sz="6000" kern="1200">
+                <a:solidFill>
+                  <a:schemeClr val="tx1"/>
+                </a:solidFill>
+                <a:latin typeface="+mj-lt"/>
+                <a:ea typeface="+mj-ea"/>
+                <a:cs typeface="+mj-cs"/>
+              </a:defRPr>
+            </a:lvl1pPr>
+          </a:lstStyle>
+          <a:p>
+            <a:pPr algn="l"/>
+            <a:r>
+              <a:rPr lang="cs-CZ" sz="1800" i="1" dirty="0">
+                <a:solidFill>
+                  <a:schemeClr val="tx1">
+                    <a:lumMod val="50000"/>
+                  </a:schemeClr>
+                </a:solidFill>
+                <a:latin typeface="Bahnschrift Light" panose="020B0502040204020203" pitchFamily="34" charset="0"/>
+              </a:rPr>
+              <a:t>TEXT BASED STORY ENGINE</a:t>
+            </a:r>
+          </a:p>
+        </p:txBody>
+      </p:sp>
+      <p:pic>
+        <p:nvPicPr>
+          <p:cNvPr id="7" name="Graphic 6">
+            <a:extLst>
+              <a:ext uri="{FF2B5EF4-FFF2-40B4-BE49-F238E27FC236}">
+                <a16:creationId xmlns:a16="http://schemas.microsoft.com/office/drawing/2014/main" id="{CED78D45-2B31-4AD1-AE6F-FEC34243475A}"/>
+              </a:ext>
+            </a:extLst>
+          </p:cNvPr>
+          <p:cNvPicPr>
+            <a:picLocks noChangeAspect="1"/>
+          </p:cNvPicPr>
+          <p:nvPr/>
+        </p:nvPicPr>
+        <p:blipFill>
+          <a:blip r:embed="rId2">
+            <a:extLst>
+              <a:ext uri="{28A0092B-C50C-407E-A947-70E740481C1C}">
+                <a14:useLocalDpi xmlns:a14="http://schemas.microsoft.com/office/drawing/2010/main" val="0"/>
+              </a:ext>
+              <a:ext uri="{96DAC541-7B7A-43D3-8B79-37D633B846F1}">
+                <asvg:svgBlip xmlns:asvg="http://schemas.microsoft.com/office/drawing/2016/SVG/main" r:embed="rId3"/>
+              </a:ext>
+            </a:extLst>
+          </a:blip>
+          <a:stretch>
+            <a:fillRect/>
+          </a:stretch>
+        </p:blipFill>
+        <p:spPr>
+          <a:xfrm>
+            <a:off x="2954097" y="1229305"/>
+            <a:ext cx="5950061" cy="5293148"/>
+          </a:xfrm>
+          <a:prstGeom prst="rect">
+            <a:avLst/>
+          </a:prstGeom>
+        </p:spPr>
+      </p:pic>
+    </p:spTree>
+    <p:extLst>
+      <p:ext uri="{BB962C8B-B14F-4D97-AF65-F5344CB8AC3E}">
+        <p14:creationId xmlns:p14="http://schemas.microsoft.com/office/powerpoint/2010/main" val="3399162685"/>
+      </p:ext>
+    </p:extLst>
+  </p:cSld>
+  <p:clrMapOvr>
+    <a:masterClrMapping/>
+  </p:clrMapOvr>
+  <mc:AlternateContent xmlns:mc="http://schemas.openxmlformats.org/markup-compatibility/2006" xmlns:p14="http://schemas.microsoft.com/office/powerpoint/2010/main">
+    <mc:Choice Requires="p14">
+      <p:transition spd="med" p14:dur="700">
+        <p:fade/>
+      </p:transition>
+    </mc:Choice>
+    <mc:Fallback xmlns="">
+      <p:transition spd="med">
+        <p:fade/>
+      </p:transition>
+    </mc:Fallback>
+  </mc:AlternateContent>
+</p:sld>
+</file>
+
+<file path=ppt/slides/slide9.xml><?xml version="1.0" encoding="utf-8"?>
+<p:sld xmlns:a="http://schemas.openxmlformats.org/drawingml/2006/main" xmlns:r="http://schemas.openxmlformats.org/officeDocument/2006/relationships" xmlns:p="http://schemas.openxmlformats.org/presentationml/2006/main">
+  <p:cSld>
+    <p:spTree>
+      <p:nvGrpSpPr>
+        <p:cNvPr id="1" name=""/>
+        <p:cNvGrpSpPr/>
+        <p:nvPr/>
+      </p:nvGrpSpPr>
+      <p:grpSpPr>
+        <a:xfrm>
+          <a:off x="0" y="0"/>
+          <a:ext cx="0" cy="0"/>
+          <a:chOff x="0" y="0"/>
+          <a:chExt cx="0" cy="0"/>
+        </a:xfrm>
+      </p:grpSpPr>
+      <p:cxnSp>
+        <p:nvCxnSpPr>
+          <p:cNvPr id="5" name="Straight Connector 4">
+            <a:extLst>
+              <a:ext uri="{FF2B5EF4-FFF2-40B4-BE49-F238E27FC236}">
+                <a16:creationId xmlns:a16="http://schemas.microsoft.com/office/drawing/2014/main" id="{8F628167-57C1-4305-BAE2-B4395BE7D706}"/>
+              </a:ext>
+            </a:extLst>
+          </p:cNvPr>
+          <p:cNvCxnSpPr>
+            <a:cxnSpLocks/>
+          </p:cNvCxnSpPr>
+          <p:nvPr/>
+        </p:nvCxnSpPr>
+        <p:spPr>
+          <a:xfrm>
+            <a:off x="3217068" y="1160463"/>
+            <a:ext cx="5757861" cy="0"/>
+          </a:xfrm>
+          <a:prstGeom prst="line">
+            <a:avLst/>
+          </a:prstGeom>
+        </p:spPr>
+        <p:style>
+          <a:lnRef idx="1">
+            <a:schemeClr val="accent3"/>
+          </a:lnRef>
+          <a:fillRef idx="0">
+            <a:schemeClr val="accent3"/>
+          </a:fillRef>
+          <a:effectRef idx="0">
+            <a:schemeClr val="accent3"/>
+          </a:effectRef>
+          <a:fontRef idx="minor">
+            <a:schemeClr val="tx1"/>
+          </a:fontRef>
+        </p:style>
+      </p:cxnSp>
+      <p:sp>
+        <p:nvSpPr>
+          <p:cNvPr id="6" name="Title 1">
+            <a:extLst>
+              <a:ext uri="{FF2B5EF4-FFF2-40B4-BE49-F238E27FC236}">
+                <a16:creationId xmlns:a16="http://schemas.microsoft.com/office/drawing/2014/main" id="{EC614B7E-32BB-41B8-ADA7-24735C613AC9}"/>
+              </a:ext>
+            </a:extLst>
+          </p:cNvPr>
+          <p:cNvSpPr txBox="1">
+            <a:spLocks/>
+          </p:cNvSpPr>
+          <p:nvPr/>
+        </p:nvSpPr>
+        <p:spPr>
+          <a:xfrm>
+            <a:off x="1524000" y="501651"/>
+            <a:ext cx="9144000" cy="592137"/>
+          </a:xfrm>
+          <a:prstGeom prst="rect">
+            <a:avLst/>
+          </a:prstGeom>
+        </p:spPr>
+        <p:txBody>
+          <a:bodyPr vert="horz" lIns="91440" tIns="45720" rIns="91440" bIns="45720" rtlCol="0" anchor="b">
+            <a:normAutofit/>
+          </a:bodyPr>
+          <a:lstStyle>
+            <a:lvl1pPr algn="ctr" defTabSz="914400" rtl="0" eaLnBrk="1" latinLnBrk="0" hangingPunct="1">
+              <a:lnSpc>
+                <a:spcPct val="90000"/>
+              </a:lnSpc>
+              <a:spcBef>
+                <a:spcPct val="0"/>
+              </a:spcBef>
+              <a:buNone/>
+              <a:defRPr sz="6000" kern="1200">
+                <a:solidFill>
+                  <a:schemeClr val="tx1"/>
+                </a:solidFill>
+                <a:latin typeface="+mj-lt"/>
+                <a:ea typeface="+mj-ea"/>
+                <a:cs typeface="+mj-cs"/>
+              </a:defRPr>
+            </a:lvl1pPr>
+          </a:lstStyle>
+          <a:p>
+            <a:r>
+              <a:rPr lang="cs-CZ" sz="3200" dirty="0">
+                <a:latin typeface="Bahnschrift Light" panose="020B0502040204020203" pitchFamily="34" charset="0"/>
+              </a:rPr>
+              <a:t>POPIS </a:t>
+            </a:r>
+            <a:r>
+              <a:rPr lang="cs-CZ" sz="3200" dirty="0">
+                <a:solidFill>
+                  <a:schemeClr val="tx1">
+                    <a:lumMod val="50000"/>
+                  </a:schemeClr>
+                </a:solidFill>
+                <a:latin typeface="Bahnschrift Light" panose="020B0502040204020203" pitchFamily="34" charset="0"/>
+              </a:rPr>
+              <a:t>UKLÁDÁNÍ</a:t>
+            </a:r>
+          </a:p>
+        </p:txBody>
+      </p:sp>
+      <p:sp>
+        <p:nvSpPr>
+          <p:cNvPr id="18" name="Subtitle 6">
+            <a:extLst>
+              <a:ext uri="{FF2B5EF4-FFF2-40B4-BE49-F238E27FC236}">
+                <a16:creationId xmlns:a16="http://schemas.microsoft.com/office/drawing/2014/main" id="{43A7395F-9664-4A9E-BC72-2B95B9BF0096}"/>
+              </a:ext>
+            </a:extLst>
+          </p:cNvPr>
+          <p:cNvSpPr txBox="1">
+            <a:spLocks/>
+          </p:cNvSpPr>
+          <p:nvPr/>
+        </p:nvSpPr>
+        <p:spPr>
+          <a:xfrm>
+            <a:off x="338139" y="1492251"/>
+            <a:ext cx="8636790" cy="5046860"/>
+          </a:xfrm>
+          <a:prstGeom prst="rect">
+            <a:avLst/>
+          </a:prstGeom>
+        </p:spPr>
+        <p:txBody>
+          <a:bodyPr vert="horz" lIns="91440" tIns="45720" rIns="91440" bIns="45720" rtlCol="0">
+            <a:normAutofit/>
+          </a:bodyPr>
+          <a:lstStyle>
+            <a:lvl1pPr marL="228600" indent="-228600" algn="l" defTabSz="914400" rtl="0" eaLnBrk="1" latinLnBrk="0" hangingPunct="1">
+              <a:lnSpc>
+                <a:spcPct val="90000"/>
+              </a:lnSpc>
+              <a:spcBef>
+                <a:spcPts val="1000"/>
+              </a:spcBef>
+              <a:buFont typeface="Arial" panose="020B0604020202020204" pitchFamily="34" charset="0"/>
+              <a:buChar char="•"/>
+              <a:defRPr sz="2800" kern="1200">
+                <a:solidFill>
+                  <a:schemeClr val="tx1"/>
+                </a:solidFill>
+                <a:latin typeface="+mn-lt"/>
+                <a:ea typeface="+mn-ea"/>
+                <a:cs typeface="+mn-cs"/>
+              </a:defRPr>
+            </a:lvl1pPr>
+            <a:lvl2pPr marL="685800" indent="-228600" algn="l" defTabSz="914400" rtl="0" eaLnBrk="1" latinLnBrk="0" hangingPunct="1">
+              <a:lnSpc>
+                <a:spcPct val="90000"/>
+              </a:lnSpc>
+              <a:spcBef>
+                <a:spcPts val="500"/>
+              </a:spcBef>
+              <a:buFont typeface="Arial" panose="020B0604020202020204" pitchFamily="34" charset="0"/>
+              <a:buChar char="•"/>
+              <a:defRPr sz="2400" kern="1200">
+                <a:solidFill>
+                  <a:schemeClr val="tx1"/>
+                </a:solidFill>
+                <a:latin typeface="+mn-lt"/>
+                <a:ea typeface="+mn-ea"/>
+                <a:cs typeface="+mn-cs"/>
+              </a:defRPr>
+            </a:lvl2pPr>
+            <a:lvl3pPr marL="1143000" indent="-228600" algn="l" defTabSz="914400" rtl="0" eaLnBrk="1" latinLnBrk="0" hangingPunct="1">
+              <a:lnSpc>
+                <a:spcPct val="90000"/>
+              </a:lnSpc>
+              <a:spcBef>
+                <a:spcPts val="500"/>
+              </a:spcBef>
+              <a:buFont typeface="Arial" panose="020B0604020202020204" pitchFamily="34" charset="0"/>
+              <a:buChar char="•"/>
+              <a:defRPr sz="2000" kern="1200">
+                <a:solidFill>
+                  <a:schemeClr val="tx1"/>
+                </a:solidFill>
+                <a:latin typeface="+mn-lt"/>
+                <a:ea typeface="+mn-ea"/>
+                <a:cs typeface="+mn-cs"/>
+              </a:defRPr>
+            </a:lvl3pPr>
+            <a:lvl4pPr marL="1600200" indent="-228600" algn="l" defTabSz="914400" rtl="0" eaLnBrk="1" latinLnBrk="0" hangingPunct="1">
+              <a:lnSpc>
+                <a:spcPct val="90000"/>
+              </a:lnSpc>
+              <a:spcBef>
+                <a:spcPts val="500"/>
+              </a:spcBef>
+              <a:buFont typeface="Arial" panose="020B0604020202020204" pitchFamily="34" charset="0"/>
+              <a:buChar char="•"/>
+              <a:defRPr sz="1800" kern="1200">
+                <a:solidFill>
+                  <a:schemeClr val="tx1"/>
+                </a:solidFill>
+                <a:latin typeface="+mn-lt"/>
+                <a:ea typeface="+mn-ea"/>
+                <a:cs typeface="+mn-cs"/>
+              </a:defRPr>
+            </a:lvl4pPr>
+            <a:lvl5pPr marL="2057400" indent="-228600" algn="l" defTabSz="914400" rtl="0" eaLnBrk="1" latinLnBrk="0" hangingPunct="1">
+              <a:lnSpc>
+                <a:spcPct val="90000"/>
+              </a:lnSpc>
+              <a:spcBef>
+                <a:spcPts val="500"/>
+              </a:spcBef>
+              <a:buFont typeface="Arial" panose="020B0604020202020204" pitchFamily="34" charset="0"/>
+              <a:buChar char="•"/>
+              <a:defRPr sz="1800" kern="1200">
+                <a:solidFill>
+                  <a:schemeClr val="tx1"/>
+                </a:solidFill>
+                <a:latin typeface="+mn-lt"/>
+                <a:ea typeface="+mn-ea"/>
+                <a:cs typeface="+mn-cs"/>
+              </a:defRPr>
+            </a:lvl5pPr>
+            <a:lvl6pPr marL="2514600" indent="-228600" algn="l" defTabSz="914400" rtl="0" eaLnBrk="1" latinLnBrk="0" hangingPunct="1">
+              <a:lnSpc>
+                <a:spcPct val="90000"/>
+              </a:lnSpc>
+              <a:spcBef>
+                <a:spcPts val="500"/>
+              </a:spcBef>
+              <a:buFont typeface="Arial" panose="020B0604020202020204" pitchFamily="34" charset="0"/>
+              <a:buChar char="•"/>
+              <a:defRPr sz="1800" kern="1200">
+                <a:solidFill>
+                  <a:schemeClr val="tx1"/>
+                </a:solidFill>
+                <a:latin typeface="+mn-lt"/>
+                <a:ea typeface="+mn-ea"/>
+                <a:cs typeface="+mn-cs"/>
+              </a:defRPr>
+            </a:lvl6pPr>
+            <a:lvl7pPr marL="2971800" indent="-228600" algn="l" defTabSz="914400" rtl="0" eaLnBrk="1" latinLnBrk="0" hangingPunct="1">
+              <a:lnSpc>
+                <a:spcPct val="90000"/>
+              </a:lnSpc>
+              <a:spcBef>
+                <a:spcPts val="500"/>
+              </a:spcBef>
+              <a:buFont typeface="Arial" panose="020B0604020202020204" pitchFamily="34" charset="0"/>
+              <a:buChar char="•"/>
+              <a:defRPr sz="1800" kern="1200">
+                <a:solidFill>
+                  <a:schemeClr val="tx1"/>
+                </a:solidFill>
+                <a:latin typeface="+mn-lt"/>
+                <a:ea typeface="+mn-ea"/>
+                <a:cs typeface="+mn-cs"/>
+              </a:defRPr>
+            </a:lvl7pPr>
+            <a:lvl8pPr marL="3429000" indent="-228600" algn="l" defTabSz="914400" rtl="0" eaLnBrk="1" latinLnBrk="0" hangingPunct="1">
+              <a:lnSpc>
+                <a:spcPct val="90000"/>
+              </a:lnSpc>
+              <a:spcBef>
+                <a:spcPts val="500"/>
+              </a:spcBef>
+              <a:buFont typeface="Arial" panose="020B0604020202020204" pitchFamily="34" charset="0"/>
+              <a:buChar char="•"/>
+              <a:defRPr sz="1800" kern="1200">
+                <a:solidFill>
+                  <a:schemeClr val="tx1"/>
+                </a:solidFill>
+                <a:latin typeface="+mn-lt"/>
+                <a:ea typeface="+mn-ea"/>
+                <a:cs typeface="+mn-cs"/>
+              </a:defRPr>
+            </a:lvl8pPr>
+            <a:lvl9pPr marL="3886200" indent="-228600" algn="l" defTabSz="914400" rtl="0" eaLnBrk="1" latinLnBrk="0" hangingPunct="1">
+              <a:lnSpc>
+                <a:spcPct val="90000"/>
+              </a:lnSpc>
+              <a:spcBef>
+                <a:spcPts val="500"/>
+              </a:spcBef>
+              <a:buFont typeface="Arial" panose="020B0604020202020204" pitchFamily="34" charset="0"/>
+              <a:buChar char="•"/>
+              <a:defRPr sz="1800" kern="1200">
+                <a:solidFill>
+                  <a:schemeClr val="tx1"/>
+                </a:solidFill>
+                <a:latin typeface="+mn-lt"/>
+                <a:ea typeface="+mn-ea"/>
+                <a:cs typeface="+mn-cs"/>
+              </a:defRPr>
+            </a:lvl9pPr>
+          </a:lstStyle>
+          <a:p>
+            <a:pPr marL="0" indent="0">
+              <a:buNone/>
+            </a:pPr>
+            <a:r>
+              <a:rPr lang="cs-CZ" sz="1600" dirty="0">
+                <a:latin typeface="Bahnschrift" panose="020B0502040204020203" pitchFamily="34" charset="0"/>
+              </a:rPr>
+              <a:t>Aplikace PRŮBĚŽNĚ ukládá data o průběhu příběhu, datech příběhu a tzv. TOKENŮ do souboru </a:t>
+            </a:r>
+            <a:r>
+              <a:rPr lang="cs-CZ" sz="1600" b="1" dirty="0">
+                <a:latin typeface="Bahnschrift" panose="020B0502040204020203" pitchFamily="34" charset="0"/>
+              </a:rPr>
+              <a:t>USERDATA.sav</a:t>
+            </a:r>
+          </a:p>
+          <a:p>
+            <a:pPr marL="0" indent="0">
+              <a:buNone/>
+            </a:pPr>
+            <a:r>
+              <a:rPr lang="cs-CZ" sz="1600" b="1" dirty="0">
+                <a:latin typeface="Bahnschrift" panose="020B0502040204020203" pitchFamily="34" charset="0"/>
+              </a:rPr>
+              <a:t>TOKENY</a:t>
+            </a:r>
+            <a:r>
+              <a:rPr lang="cs-CZ" sz="1600" dirty="0">
+                <a:latin typeface="Bahnschrift" panose="020B0502040204020203" pitchFamily="34" charset="0"/>
+              </a:rPr>
+              <a:t> jsou nezávyslá data které příběh může uložit a načíst, třeba k odemknutí možnosti v dialogu etc.</a:t>
+            </a:r>
+          </a:p>
+          <a:p>
+            <a:pPr marL="0" indent="0">
+              <a:buNone/>
+            </a:pPr>
+            <a:endParaRPr lang="cs-CZ" sz="1600" dirty="0">
+              <a:latin typeface="Bahnschrift" panose="020B0502040204020203" pitchFamily="34" charset="0"/>
+            </a:endParaRPr>
+          </a:p>
+          <a:p>
+            <a:pPr marL="0" indent="0">
+              <a:buNone/>
+            </a:pPr>
+            <a:endParaRPr lang="cs-CZ" sz="1600" dirty="0">
+              <a:latin typeface="Bahnschrift" panose="020B0502040204020203" pitchFamily="34" charset="0"/>
+            </a:endParaRPr>
+          </a:p>
+          <a:p>
+            <a:pPr marL="0" indent="0">
+              <a:buNone/>
+            </a:pPr>
+            <a:endParaRPr lang="cs-CZ" sz="1600" dirty="0">
+              <a:latin typeface="Bahnschrift" panose="020B0502040204020203" pitchFamily="34" charset="0"/>
+            </a:endParaRPr>
+          </a:p>
+          <a:p>
+            <a:pPr marL="0" indent="0">
+              <a:buNone/>
+            </a:pPr>
+            <a:endParaRPr lang="cs-CZ" sz="1600" dirty="0">
+              <a:latin typeface="Bahnschrift" panose="020B0502040204020203" pitchFamily="34" charset="0"/>
+            </a:endParaRPr>
+          </a:p>
+          <a:p>
+            <a:pPr marL="0" indent="0">
+              <a:buNone/>
+            </a:pPr>
+            <a:r>
+              <a:rPr lang="cs-CZ" sz="600" dirty="0">
+                <a:latin typeface="Bahnschrift" panose="020B0502040204020203" pitchFamily="34" charset="0"/>
+              </a:rPr>
+              <a:t> </a:t>
+            </a:r>
+            <a:endParaRPr lang="cs-CZ" sz="1600" dirty="0">
+              <a:latin typeface="Bahnschrift" panose="020B0502040204020203" pitchFamily="34" charset="0"/>
+            </a:endParaRPr>
+          </a:p>
+          <a:p>
+            <a:pPr marL="0" indent="0">
+              <a:buNone/>
+            </a:pPr>
+            <a:r>
+              <a:rPr lang="cs-CZ" sz="1100" i="1" dirty="0">
+                <a:solidFill>
+                  <a:schemeClr val="tx1">
+                    <a:lumMod val="75000"/>
+                  </a:schemeClr>
+                </a:solidFill>
+                <a:latin typeface="Bahnschrift" panose="020B0502040204020203" pitchFamily="34" charset="0"/>
+              </a:rPr>
+              <a:t>Ukázka obsahu USERDATA.sav</a:t>
+            </a:r>
+          </a:p>
+          <a:p>
+            <a:pPr marL="0" indent="0">
+              <a:buNone/>
+            </a:pPr>
+            <a:endParaRPr lang="cs-CZ" sz="2000" i="1" dirty="0">
+              <a:latin typeface="Bahnschrift" panose="020B0502040204020203" pitchFamily="34" charset="0"/>
+            </a:endParaRPr>
+          </a:p>
+        </p:txBody>
+      </p:sp>
+      <p:sp>
+        <p:nvSpPr>
+          <p:cNvPr id="19" name="Title 1">
+            <a:extLst>
+              <a:ext uri="{FF2B5EF4-FFF2-40B4-BE49-F238E27FC236}">
+                <a16:creationId xmlns:a16="http://schemas.microsoft.com/office/drawing/2014/main" id="{154CDD36-FBAD-4702-B92C-E2B05372F374}"/>
+              </a:ext>
+            </a:extLst>
+          </p:cNvPr>
+          <p:cNvSpPr txBox="1">
+            <a:spLocks/>
+          </p:cNvSpPr>
+          <p:nvPr/>
+        </p:nvSpPr>
+        <p:spPr>
+          <a:xfrm>
+            <a:off x="161925" y="103188"/>
+            <a:ext cx="10506075" cy="398463"/>
+          </a:xfrm>
+          <a:prstGeom prst="rect">
+            <a:avLst/>
+          </a:prstGeom>
+        </p:spPr>
+        <p:txBody>
+          <a:bodyPr vert="horz" lIns="91440" tIns="45720" rIns="91440" bIns="45720" rtlCol="0" anchor="b">
+            <a:normAutofit/>
+          </a:bodyPr>
+          <a:lstStyle>
+            <a:lvl1pPr algn="ctr" defTabSz="914400" rtl="0" eaLnBrk="1" latinLnBrk="0" hangingPunct="1">
+              <a:lnSpc>
+                <a:spcPct val="90000"/>
+              </a:lnSpc>
+              <a:spcBef>
+                <a:spcPct val="0"/>
+              </a:spcBef>
+              <a:buNone/>
+              <a:defRPr sz="6000" kern="1200">
+                <a:solidFill>
+                  <a:schemeClr val="tx1"/>
+                </a:solidFill>
+                <a:latin typeface="+mj-lt"/>
+                <a:ea typeface="+mj-ea"/>
+                <a:cs typeface="+mj-cs"/>
+              </a:defRPr>
+            </a:lvl1pPr>
+          </a:lstStyle>
+          <a:p>
+            <a:pPr algn="l"/>
+            <a:r>
+              <a:rPr lang="cs-CZ" sz="1800" i="1" dirty="0">
+                <a:solidFill>
+                  <a:schemeClr val="tx1">
+                    <a:lumMod val="50000"/>
+                  </a:schemeClr>
+                </a:solidFill>
+                <a:latin typeface="Bahnschrift Light" panose="020B0502040204020203" pitchFamily="34" charset="0"/>
+              </a:rPr>
+              <a:t>TEXT BASED STORY ENGINE</a:t>
+            </a:r>
+          </a:p>
+        </p:txBody>
+      </p:sp>
+      <p:pic>
+        <p:nvPicPr>
+          <p:cNvPr id="3" name="Picture 2">
+            <a:extLst>
+              <a:ext uri="{FF2B5EF4-FFF2-40B4-BE49-F238E27FC236}">
+                <a16:creationId xmlns:a16="http://schemas.microsoft.com/office/drawing/2014/main" id="{CC7CEB71-159E-4093-9574-1C5BAF91A952}"/>
+              </a:ext>
+            </a:extLst>
+          </p:cNvPr>
+          <p:cNvPicPr>
+            <a:picLocks noChangeAspect="1"/>
+          </p:cNvPicPr>
+          <p:nvPr/>
+        </p:nvPicPr>
+        <p:blipFill>
+          <a:blip r:embed="rId2"/>
+          <a:stretch>
+            <a:fillRect/>
+          </a:stretch>
+        </p:blipFill>
+        <p:spPr>
+          <a:xfrm>
+            <a:off x="338139" y="4481711"/>
+            <a:ext cx="7953375" cy="2057400"/>
+          </a:xfrm>
+          <a:prstGeom prst="rect">
+            <a:avLst/>
+          </a:prstGeom>
+        </p:spPr>
+      </p:pic>
+    </p:spTree>
+    <p:extLst>
+      <p:ext uri="{BB962C8B-B14F-4D97-AF65-F5344CB8AC3E}">
+        <p14:creationId xmlns:p14="http://schemas.microsoft.com/office/powerpoint/2010/main" val="1571375775"/>
+      </p:ext>
+    </p:extLst>
+  </p:cSld>
+  <p:clrMapOvr>
+    <a:masterClrMapping/>
+  </p:clrMapOvr>
+  <mc:AlternateContent xmlns:mc="http://schemas.openxmlformats.org/markup-compatibility/2006" xmlns:p14="http://schemas.microsoft.com/office/powerpoint/2010/main">
+    <mc:Choice Requires="p14">
+      <p:transition spd="med" p14:dur="700">
+        <p:fade/>
+      </p:transition>
+    </mc:Choice>
+    <mc:Fallback xmlns="">
+      <p:transition spd="med">
+        <p:fade/>
+      </p:transition>
+    </mc:Fallback>
+  </mc:AlternateContent>
 </p:sld>
 </file>
 

--- a/Text Based Engine.pptx
+++ b/Text Based Engine.pptx
@@ -3682,7 +3682,7 @@
               <a:rPr lang="cs-CZ" sz="1600" dirty="0">
                 <a:latin typeface="Bahnschrift" panose="020B0502040204020203" pitchFamily="34" charset="0"/>
               </a:rPr>
-              <a:t>Kromě normálních větvících se dialogů lze také vytvořit „bojové sekce“</a:t>
+              <a:t>Kromě normálních větvících se dialogů lze také vytvořit „bojové sekce“. ID můžou mít stejné jako buňka v Dialog node. Pokud chce Dialog Node buňka odkázat na Battle Node, musí mít zatržítko:				„isBattle“ na true. </a:t>
             </a:r>
           </a:p>
           <a:p>
@@ -3864,6 +3864,36 @@
           <a:xfrm>
             <a:off x="436517" y="4337049"/>
             <a:ext cx="2174966" cy="2057400"/>
+          </a:xfrm>
+          <a:prstGeom prst="rect">
+            <a:avLst/>
+          </a:prstGeom>
+        </p:spPr>
+      </p:pic>
+      <p:pic>
+        <p:nvPicPr>
+          <p:cNvPr id="3" name="Picture 2">
+            <a:extLst>
+              <a:ext uri="{FF2B5EF4-FFF2-40B4-BE49-F238E27FC236}">
+                <a16:creationId xmlns:a16="http://schemas.microsoft.com/office/drawing/2014/main" id="{20F2CCFD-5274-47D3-BE9F-485D9470E5C7}"/>
+              </a:ext>
+            </a:extLst>
+          </p:cNvPr>
+          <p:cNvPicPr>
+            <a:picLocks noChangeAspect="1"/>
+          </p:cNvPicPr>
+          <p:nvPr/>
+        </p:nvPicPr>
+        <p:blipFill>
+          <a:blip r:embed="rId3"/>
+          <a:stretch>
+            <a:fillRect/>
+          </a:stretch>
+        </p:blipFill>
+        <p:spPr>
+          <a:xfrm>
+            <a:off x="1401808" y="2011961"/>
+            <a:ext cx="2571750" cy="1162050"/>
           </a:xfrm>
           <a:prstGeom prst="rect">
             <a:avLst/>
